--- a/AtomicHunterTemplate.pptx
+++ b/AtomicHunterTemplate.pptx
@@ -3,18 +3,21 @@
 <p:presentation xmlns:a="http://schemas.openxmlformats.org/drawingml/2006/main" xmlns:r="http://schemas.openxmlformats.org/officeDocument/2006/relationships" xmlns:p="http://schemas.openxmlformats.org/presentationml/2006/main" showSpecialPlsOnTitleSld="0" saveSubsetFonts="1" autoCompressPictures="0">
   <p:sldMasterIdLst>
     <p:sldMasterId id="2147483648" r:id="rId1"/>
+    <p:sldMasterId id="2147483660" r:id="rId2"/>
+    <p:sldMasterId id="2147483672" r:id="rId3"/>
   </p:sldMasterIdLst>
   <p:notesMasterIdLst>
-    <p:notesMasterId r:id="rId6"/>
+    <p:notesMasterId r:id="rId9"/>
   </p:notesMasterIdLst>
   <p:handoutMasterIdLst>
-    <p:handoutMasterId r:id="rId7"/>
+    <p:handoutMasterId r:id="rId10"/>
   </p:handoutMasterIdLst>
   <p:sldIdLst>
-    <p:sldId id="256" r:id="rId2"/>
-    <p:sldId id="257" r:id="rId3"/>
-    <p:sldId id="259" r:id="rId4"/>
-    <p:sldId id="258" r:id="rId5"/>
+    <p:sldId id="256" r:id="rId4"/>
+    <p:sldId id="262" r:id="rId5"/>
+    <p:sldId id="257" r:id="rId6"/>
+    <p:sldId id="259" r:id="rId7"/>
+    <p:sldId id="258" r:id="rId8"/>
   </p:sldIdLst>
   <p:sldSz cx="12192000" cy="6858000"/>
   <p:notesSz cx="6858000" cy="9144000"/>
@@ -119,6 +122,7 @@
         <p14:section name="Раздел по умолчанию" id="{985AD74E-C1E2-FF49-897B-50F9D544BD37}">
           <p14:sldIdLst>
             <p14:sldId id="256"/>
+            <p14:sldId id="262"/>
             <p14:sldId id="257"/>
             <p14:sldId id="259"/>
             <p14:sldId id="258"/>
@@ -230,7 +234,7 @@
           <a:p>
             <a:fld id="{061518EA-BB8D-974C-AF33-9AB32814CAEC}" type="datetimeFigureOut">
               <a:rPr lang="ru-RU" smtClean="0"/>
-              <a:t>03.06.2023</a:t>
+              <a:t>13.06.2023</a:t>
             </a:fld>
             <a:endParaRPr lang="ru-RU"/>
           </a:p>
@@ -407,7 +411,7 @@
           <a:p>
             <a:fld id="{116655C2-6730-6440-90B8-00743CE1160D}" type="datetimeFigureOut">
               <a:rPr lang="ru-RU" smtClean="0"/>
-              <a:t>03.06.2023</a:t>
+              <a:t>13.06.2023</a:t>
             </a:fld>
             <a:endParaRPr lang="ru-RU"/>
           </a:p>
@@ -795,7 +799,7 @@
           </a:lstStyle>
           <a:p>
             <a:r>
-              <a:rPr lang="ru-RU"/>
+              <a:rPr lang="ru-RU" dirty="0"/>
               <a:t>Образец подзаголовка</a:t>
             </a:r>
           </a:p>
@@ -824,7 +828,7 @@
           <a:p>
             <a:fld id="{5941139F-41AE-B54D-91B3-9FA77D133DFF}" type="datetime1">
               <a:rPr lang="ru-RU" smtClean="0"/>
-              <a:t>03.06.2023</a:t>
+              <a:t>13.06.2023</a:t>
             </a:fld>
             <a:endParaRPr lang="ru-RU"/>
           </a:p>
@@ -1030,7 +1034,7 @@
           <a:p>
             <a:fld id="{DBA6B02E-6675-C641-AC25-E3B73EE93220}" type="datetime1">
               <a:rPr lang="ru-RU" smtClean="0"/>
-              <a:t>03.06.2023</a:t>
+              <a:t>13.06.2023</a:t>
             </a:fld>
             <a:endParaRPr lang="ru-RU"/>
           </a:p>
@@ -1241,7 +1245,7 @@
           <a:p>
             <a:fld id="{A1269EED-4EAD-BB49-9D1F-C7BC3379F575}" type="datetime1">
               <a:rPr lang="ru-RU" smtClean="0"/>
-              <a:t>03.06.2023</a:t>
+              <a:t>13.06.2023</a:t>
             </a:fld>
             <a:endParaRPr lang="ru-RU"/>
           </a:p>
@@ -1305,6 +1309,1623 @@
     <p:extLst>
       <p:ext uri="{BB962C8B-B14F-4D97-AF65-F5344CB8AC3E}">
         <p14:creationId xmlns:p14="http://schemas.microsoft.com/office/powerpoint/2010/main" val="1116199935"/>
+      </p:ext>
+    </p:extLst>
+  </p:cSld>
+  <p:clrMapOvr>
+    <a:masterClrMapping/>
+  </p:clrMapOvr>
+</p:sldLayout>
+</file>
+
+<file path=ppt/slideLayouts/slideLayout12.xml><?xml version="1.0" encoding="utf-8"?>
+<p:sldLayout xmlns:a="http://schemas.openxmlformats.org/drawingml/2006/main" xmlns:r="http://schemas.openxmlformats.org/officeDocument/2006/relationships" xmlns:p="http://schemas.openxmlformats.org/presentationml/2006/main" type="title" preserve="1">
+  <p:cSld name="Титульный слайд">
+    <p:spTree>
+      <p:nvGrpSpPr>
+        <p:cNvPr id="1" name=""/>
+        <p:cNvGrpSpPr/>
+        <p:nvPr/>
+      </p:nvGrpSpPr>
+      <p:grpSpPr>
+        <a:xfrm>
+          <a:off x="0" y="0"/>
+          <a:ext cx="0" cy="0"/>
+          <a:chOff x="0" y="0"/>
+          <a:chExt cx="0" cy="0"/>
+        </a:xfrm>
+      </p:grpSpPr>
+      <p:sp>
+        <p:nvSpPr>
+          <p:cNvPr id="2" name="Заголовок 1">
+            <a:extLst>
+              <a:ext uri="{FF2B5EF4-FFF2-40B4-BE49-F238E27FC236}">
+                <a16:creationId xmlns:a16="http://schemas.microsoft.com/office/drawing/2014/main" id="{7290E610-51AF-ED9E-1CA2-D9828F947F1B}"/>
+              </a:ext>
+            </a:extLst>
+          </p:cNvPr>
+          <p:cNvSpPr>
+            <a:spLocks noGrp="1"/>
+          </p:cNvSpPr>
+          <p:nvPr>
+            <p:ph type="ctrTitle"/>
+          </p:nvPr>
+        </p:nvSpPr>
+        <p:spPr>
+          <a:xfrm>
+            <a:off x="1524000" y="1122363"/>
+            <a:ext cx="9144000" cy="2387600"/>
+          </a:xfrm>
+          <a:prstGeom prst="rect">
+            <a:avLst/>
+          </a:prstGeom>
+        </p:spPr>
+        <p:txBody>
+          <a:bodyPr anchor="b"/>
+          <a:lstStyle>
+            <a:lvl1pPr algn="ctr">
+              <a:defRPr sz="6000"/>
+            </a:lvl1pPr>
+          </a:lstStyle>
+          <a:p>
+            <a:r>
+              <a:rPr lang="ru-RU"/>
+              <a:t>Образец заголовка</a:t>
+            </a:r>
+          </a:p>
+        </p:txBody>
+      </p:sp>
+      <p:sp>
+        <p:nvSpPr>
+          <p:cNvPr id="3" name="Подзаголовок 2">
+            <a:extLst>
+              <a:ext uri="{FF2B5EF4-FFF2-40B4-BE49-F238E27FC236}">
+                <a16:creationId xmlns:a16="http://schemas.microsoft.com/office/drawing/2014/main" id="{5F864314-8CF2-16B2-472F-278E81832E3D}"/>
+              </a:ext>
+            </a:extLst>
+          </p:cNvPr>
+          <p:cNvSpPr>
+            <a:spLocks noGrp="1"/>
+          </p:cNvSpPr>
+          <p:nvPr>
+            <p:ph type="subTitle" idx="1"/>
+          </p:nvPr>
+        </p:nvSpPr>
+        <p:spPr>
+          <a:xfrm>
+            <a:off x="1524000" y="3602038"/>
+            <a:ext cx="9144000" cy="1655762"/>
+          </a:xfrm>
+        </p:spPr>
+        <p:txBody>
+          <a:bodyPr/>
+          <a:lstStyle>
+            <a:lvl1pPr marL="0" indent="0" algn="ctr">
+              <a:buNone/>
+              <a:defRPr sz="2400"/>
+            </a:lvl1pPr>
+            <a:lvl2pPr marL="457200" indent="0" algn="ctr">
+              <a:buNone/>
+              <a:defRPr sz="2000"/>
+            </a:lvl2pPr>
+            <a:lvl3pPr marL="914400" indent="0" algn="ctr">
+              <a:buNone/>
+              <a:defRPr sz="1800"/>
+            </a:lvl3pPr>
+            <a:lvl4pPr marL="1371600" indent="0" algn="ctr">
+              <a:buNone/>
+              <a:defRPr sz="1600"/>
+            </a:lvl4pPr>
+            <a:lvl5pPr marL="1828800" indent="0" algn="ctr">
+              <a:buNone/>
+              <a:defRPr sz="1600"/>
+            </a:lvl5pPr>
+            <a:lvl6pPr marL="2286000" indent="0" algn="ctr">
+              <a:buNone/>
+              <a:defRPr sz="1600"/>
+            </a:lvl6pPr>
+            <a:lvl7pPr marL="2743200" indent="0" algn="ctr">
+              <a:buNone/>
+              <a:defRPr sz="1600"/>
+            </a:lvl7pPr>
+            <a:lvl8pPr marL="3200400" indent="0" algn="ctr">
+              <a:buNone/>
+              <a:defRPr sz="1600"/>
+            </a:lvl8pPr>
+            <a:lvl9pPr marL="3657600" indent="0" algn="ctr">
+              <a:buNone/>
+              <a:defRPr sz="1600"/>
+            </a:lvl9pPr>
+          </a:lstStyle>
+          <a:p>
+            <a:r>
+              <a:rPr lang="ru-RU"/>
+              <a:t>Образец подзаголовка</a:t>
+            </a:r>
+          </a:p>
+        </p:txBody>
+      </p:sp>
+      <p:sp>
+        <p:nvSpPr>
+          <p:cNvPr id="4" name="Дата 3">
+            <a:extLst>
+              <a:ext uri="{FF2B5EF4-FFF2-40B4-BE49-F238E27FC236}">
+                <a16:creationId xmlns:a16="http://schemas.microsoft.com/office/drawing/2014/main" id="{6DF64213-921F-3355-0E7C-1CADBBC21B57}"/>
+              </a:ext>
+            </a:extLst>
+          </p:cNvPr>
+          <p:cNvSpPr>
+            <a:spLocks noGrp="1"/>
+          </p:cNvSpPr>
+          <p:nvPr>
+            <p:ph type="dt" sz="half" idx="10"/>
+          </p:nvPr>
+        </p:nvSpPr>
+        <p:spPr/>
+        <p:txBody>
+          <a:bodyPr/>
+          <a:lstStyle/>
+          <a:p>
+            <a:fld id="{5941139F-41AE-B54D-91B3-9FA77D133DFF}" type="datetime1">
+              <a:rPr lang="ru-RU" smtClean="0"/>
+              <a:t>13.06.2023</a:t>
+            </a:fld>
+            <a:endParaRPr lang="ru-RU"/>
+          </a:p>
+        </p:txBody>
+      </p:sp>
+      <p:sp>
+        <p:nvSpPr>
+          <p:cNvPr id="5" name="Нижний колонтитул 4">
+            <a:extLst>
+              <a:ext uri="{FF2B5EF4-FFF2-40B4-BE49-F238E27FC236}">
+                <a16:creationId xmlns:a16="http://schemas.microsoft.com/office/drawing/2014/main" id="{D2B475BD-27FA-0B93-82BD-2AF9A05AF158}"/>
+              </a:ext>
+            </a:extLst>
+          </p:cNvPr>
+          <p:cNvSpPr>
+            <a:spLocks noGrp="1"/>
+          </p:cNvSpPr>
+          <p:nvPr>
+            <p:ph type="ftr" sz="quarter" idx="11"/>
+          </p:nvPr>
+        </p:nvSpPr>
+        <p:spPr/>
+        <p:txBody>
+          <a:bodyPr/>
+          <a:lstStyle/>
+          <a:p>
+            <a:endParaRPr lang="ru-RU"/>
+          </a:p>
+        </p:txBody>
+      </p:sp>
+      <p:sp>
+        <p:nvSpPr>
+          <p:cNvPr id="6" name="Номер слайда 5">
+            <a:extLst>
+              <a:ext uri="{FF2B5EF4-FFF2-40B4-BE49-F238E27FC236}">
+                <a16:creationId xmlns:a16="http://schemas.microsoft.com/office/drawing/2014/main" id="{C65E8830-99D5-900E-D122-C2A1850CCA55}"/>
+              </a:ext>
+            </a:extLst>
+          </p:cNvPr>
+          <p:cNvSpPr>
+            <a:spLocks noGrp="1"/>
+          </p:cNvSpPr>
+          <p:nvPr>
+            <p:ph type="sldNum" sz="quarter" idx="12"/>
+          </p:nvPr>
+        </p:nvSpPr>
+        <p:spPr/>
+        <p:txBody>
+          <a:bodyPr/>
+          <a:lstStyle/>
+          <a:p>
+            <a:fld id="{65178B5D-1FA4-8142-9A6F-7E75DC9B1E52}" type="slidenum">
+              <a:rPr lang="ru-RU" smtClean="0"/>
+              <a:t>‹#›</a:t>
+            </a:fld>
+            <a:endParaRPr lang="ru-RU"/>
+          </a:p>
+        </p:txBody>
+      </p:sp>
+    </p:spTree>
+    <p:extLst>
+      <p:ext uri="{BB962C8B-B14F-4D97-AF65-F5344CB8AC3E}">
+        <p14:creationId xmlns:p14="http://schemas.microsoft.com/office/powerpoint/2010/main" val="3353658408"/>
+      </p:ext>
+    </p:extLst>
+  </p:cSld>
+  <p:clrMapOvr>
+    <a:masterClrMapping/>
+  </p:clrMapOvr>
+</p:sldLayout>
+</file>
+
+<file path=ppt/slideLayouts/slideLayout13.xml><?xml version="1.0" encoding="utf-8"?>
+<p:sldLayout xmlns:a="http://schemas.openxmlformats.org/drawingml/2006/main" xmlns:r="http://schemas.openxmlformats.org/officeDocument/2006/relationships" xmlns:p="http://schemas.openxmlformats.org/presentationml/2006/main" type="obj" preserve="1">
+  <p:cSld name="Заголовок и объект">
+    <p:spTree>
+      <p:nvGrpSpPr>
+        <p:cNvPr id="1" name=""/>
+        <p:cNvGrpSpPr/>
+        <p:nvPr/>
+      </p:nvGrpSpPr>
+      <p:grpSpPr>
+        <a:xfrm>
+          <a:off x="0" y="0"/>
+          <a:ext cx="0" cy="0"/>
+          <a:chOff x="0" y="0"/>
+          <a:chExt cx="0" cy="0"/>
+        </a:xfrm>
+      </p:grpSpPr>
+      <p:sp>
+        <p:nvSpPr>
+          <p:cNvPr id="2" name="Заголовок 1">
+            <a:extLst>
+              <a:ext uri="{FF2B5EF4-FFF2-40B4-BE49-F238E27FC236}">
+                <a16:creationId xmlns:a16="http://schemas.microsoft.com/office/drawing/2014/main" id="{225E1B6B-077F-6A0A-361D-8691D685DAE8}"/>
+              </a:ext>
+            </a:extLst>
+          </p:cNvPr>
+          <p:cNvSpPr>
+            <a:spLocks noGrp="1"/>
+          </p:cNvSpPr>
+          <p:nvPr>
+            <p:ph type="title"/>
+          </p:nvPr>
+        </p:nvSpPr>
+        <p:spPr>
+          <a:xfrm>
+            <a:off x="838200" y="365126"/>
+            <a:ext cx="10515600" cy="601229"/>
+          </a:xfrm>
+          <a:prstGeom prst="rect">
+            <a:avLst/>
+          </a:prstGeom>
+        </p:spPr>
+        <p:txBody>
+          <a:bodyPr/>
+          <a:lstStyle/>
+          <a:p>
+            <a:r>
+              <a:rPr lang="ru-RU" dirty="0"/>
+              <a:t>Образец заголовка</a:t>
+            </a:r>
+          </a:p>
+        </p:txBody>
+      </p:sp>
+      <p:sp>
+        <p:nvSpPr>
+          <p:cNvPr id="3" name="Объект 2">
+            <a:extLst>
+              <a:ext uri="{FF2B5EF4-FFF2-40B4-BE49-F238E27FC236}">
+                <a16:creationId xmlns:a16="http://schemas.microsoft.com/office/drawing/2014/main" id="{8CF50175-1A9A-D7A3-1430-C15E1B408421}"/>
+              </a:ext>
+            </a:extLst>
+          </p:cNvPr>
+          <p:cNvSpPr>
+            <a:spLocks noGrp="1"/>
+          </p:cNvSpPr>
+          <p:nvPr>
+            <p:ph idx="1"/>
+          </p:nvPr>
+        </p:nvSpPr>
+        <p:spPr/>
+        <p:txBody>
+          <a:bodyPr/>
+          <a:lstStyle/>
+          <a:p>
+            <a:pPr lvl="0"/>
+            <a:r>
+              <a:rPr lang="ru-RU"/>
+              <a:t>Образец текста</a:t>
+            </a:r>
+          </a:p>
+          <a:p>
+            <a:pPr lvl="1"/>
+            <a:r>
+              <a:rPr lang="ru-RU"/>
+              <a:t>Второй уровень</a:t>
+            </a:r>
+          </a:p>
+          <a:p>
+            <a:pPr lvl="2"/>
+            <a:r>
+              <a:rPr lang="ru-RU"/>
+              <a:t>Третий уровень</a:t>
+            </a:r>
+          </a:p>
+          <a:p>
+            <a:pPr lvl="3"/>
+            <a:r>
+              <a:rPr lang="ru-RU"/>
+              <a:t>Четвертый уровень</a:t>
+            </a:r>
+          </a:p>
+          <a:p>
+            <a:pPr lvl="4"/>
+            <a:r>
+              <a:rPr lang="ru-RU"/>
+              <a:t>Пятый уровень</a:t>
+            </a:r>
+          </a:p>
+        </p:txBody>
+      </p:sp>
+      <p:sp>
+        <p:nvSpPr>
+          <p:cNvPr id="4" name="Дата 3">
+            <a:extLst>
+              <a:ext uri="{FF2B5EF4-FFF2-40B4-BE49-F238E27FC236}">
+                <a16:creationId xmlns:a16="http://schemas.microsoft.com/office/drawing/2014/main" id="{7EA0B810-F8BA-6624-DD8E-D76357186378}"/>
+              </a:ext>
+            </a:extLst>
+          </p:cNvPr>
+          <p:cNvSpPr>
+            <a:spLocks noGrp="1"/>
+          </p:cNvSpPr>
+          <p:nvPr>
+            <p:ph type="dt" sz="half" idx="10"/>
+          </p:nvPr>
+        </p:nvSpPr>
+        <p:spPr/>
+        <p:txBody>
+          <a:bodyPr/>
+          <a:lstStyle/>
+          <a:p>
+            <a:fld id="{A7B922D0-D777-9A44-B4FE-DE43244043A2}" type="datetime1">
+              <a:rPr lang="ru-RU" smtClean="0"/>
+              <a:t>13.06.2023</a:t>
+            </a:fld>
+            <a:endParaRPr lang="ru-RU"/>
+          </a:p>
+        </p:txBody>
+      </p:sp>
+      <p:sp>
+        <p:nvSpPr>
+          <p:cNvPr id="5" name="Нижний колонтитул 4">
+            <a:extLst>
+              <a:ext uri="{FF2B5EF4-FFF2-40B4-BE49-F238E27FC236}">
+                <a16:creationId xmlns:a16="http://schemas.microsoft.com/office/drawing/2014/main" id="{DCB426B1-B314-87AA-69B8-946184850BB8}"/>
+              </a:ext>
+            </a:extLst>
+          </p:cNvPr>
+          <p:cNvSpPr>
+            <a:spLocks noGrp="1"/>
+          </p:cNvSpPr>
+          <p:nvPr>
+            <p:ph type="ftr" sz="quarter" idx="11"/>
+          </p:nvPr>
+        </p:nvSpPr>
+        <p:spPr/>
+        <p:txBody>
+          <a:bodyPr/>
+          <a:lstStyle/>
+          <a:p>
+            <a:endParaRPr lang="ru-RU"/>
+          </a:p>
+        </p:txBody>
+      </p:sp>
+      <p:sp>
+        <p:nvSpPr>
+          <p:cNvPr id="6" name="Номер слайда 5">
+            <a:extLst>
+              <a:ext uri="{FF2B5EF4-FFF2-40B4-BE49-F238E27FC236}">
+                <a16:creationId xmlns:a16="http://schemas.microsoft.com/office/drawing/2014/main" id="{928E5EDC-2859-9C75-50C3-7E9839A681B9}"/>
+              </a:ext>
+            </a:extLst>
+          </p:cNvPr>
+          <p:cNvSpPr>
+            <a:spLocks noGrp="1"/>
+          </p:cNvSpPr>
+          <p:nvPr>
+            <p:ph type="sldNum" sz="quarter" idx="12"/>
+          </p:nvPr>
+        </p:nvSpPr>
+        <p:spPr/>
+        <p:txBody>
+          <a:bodyPr/>
+          <a:lstStyle/>
+          <a:p>
+            <a:fld id="{65178B5D-1FA4-8142-9A6F-7E75DC9B1E52}" type="slidenum">
+              <a:rPr lang="ru-RU" smtClean="0"/>
+              <a:t>‹#›</a:t>
+            </a:fld>
+            <a:endParaRPr lang="ru-RU"/>
+          </a:p>
+        </p:txBody>
+      </p:sp>
+      <p:cxnSp>
+        <p:nvCxnSpPr>
+          <p:cNvPr id="7" name="Прямая соединительная линия 6">
+            <a:extLst>
+              <a:ext uri="{FF2B5EF4-FFF2-40B4-BE49-F238E27FC236}">
+                <a16:creationId xmlns:a16="http://schemas.microsoft.com/office/drawing/2014/main" id="{A6186B44-A637-865D-31BA-731366E487C3}"/>
+              </a:ext>
+            </a:extLst>
+          </p:cNvPr>
+          <p:cNvCxnSpPr>
+            <a:cxnSpLocks/>
+          </p:cNvCxnSpPr>
+          <p:nvPr userDrawn="1"/>
+        </p:nvCxnSpPr>
+        <p:spPr>
+          <a:xfrm>
+            <a:off x="838200" y="1086680"/>
+            <a:ext cx="6610350" cy="0"/>
+          </a:xfrm>
+          <a:prstGeom prst="line">
+            <a:avLst/>
+          </a:prstGeom>
+          <a:ln w="22225">
+            <a:solidFill>
+              <a:schemeClr val="bg1"/>
+            </a:solidFill>
+          </a:ln>
+        </p:spPr>
+        <p:style>
+          <a:lnRef idx="1">
+            <a:schemeClr val="accent1"/>
+          </a:lnRef>
+          <a:fillRef idx="0">
+            <a:schemeClr val="accent1"/>
+          </a:fillRef>
+          <a:effectRef idx="0">
+            <a:schemeClr val="accent1"/>
+          </a:effectRef>
+          <a:fontRef idx="minor">
+            <a:schemeClr val="tx1"/>
+          </a:fontRef>
+        </p:style>
+      </p:cxnSp>
+    </p:spTree>
+    <p:extLst>
+      <p:ext uri="{BB962C8B-B14F-4D97-AF65-F5344CB8AC3E}">
+        <p14:creationId xmlns:p14="http://schemas.microsoft.com/office/powerpoint/2010/main" val="1427449427"/>
+      </p:ext>
+    </p:extLst>
+  </p:cSld>
+  <p:clrMapOvr>
+    <a:masterClrMapping/>
+  </p:clrMapOvr>
+</p:sldLayout>
+</file>
+
+<file path=ppt/slideLayouts/slideLayout14.xml><?xml version="1.0" encoding="utf-8"?>
+<p:sldLayout xmlns:a="http://schemas.openxmlformats.org/drawingml/2006/main" xmlns:r="http://schemas.openxmlformats.org/officeDocument/2006/relationships" xmlns:p="http://schemas.openxmlformats.org/presentationml/2006/main" type="secHead" preserve="1">
+  <p:cSld name="Заголовок раздела">
+    <p:spTree>
+      <p:nvGrpSpPr>
+        <p:cNvPr id="1" name=""/>
+        <p:cNvGrpSpPr/>
+        <p:nvPr/>
+      </p:nvGrpSpPr>
+      <p:grpSpPr>
+        <a:xfrm>
+          <a:off x="0" y="0"/>
+          <a:ext cx="0" cy="0"/>
+          <a:chOff x="0" y="0"/>
+          <a:chExt cx="0" cy="0"/>
+        </a:xfrm>
+      </p:grpSpPr>
+      <p:sp>
+        <p:nvSpPr>
+          <p:cNvPr id="2" name="Заголовок 1">
+            <a:extLst>
+              <a:ext uri="{FF2B5EF4-FFF2-40B4-BE49-F238E27FC236}">
+                <a16:creationId xmlns:a16="http://schemas.microsoft.com/office/drawing/2014/main" id="{DB365AF4-DB2D-73E6-1E08-84A31C2D3243}"/>
+              </a:ext>
+            </a:extLst>
+          </p:cNvPr>
+          <p:cNvSpPr>
+            <a:spLocks noGrp="1"/>
+          </p:cNvSpPr>
+          <p:nvPr>
+            <p:ph type="title"/>
+          </p:nvPr>
+        </p:nvSpPr>
+        <p:spPr>
+          <a:xfrm>
+            <a:off x="831850" y="1709738"/>
+            <a:ext cx="10515600" cy="2852737"/>
+          </a:xfrm>
+          <a:prstGeom prst="rect">
+            <a:avLst/>
+          </a:prstGeom>
+        </p:spPr>
+        <p:txBody>
+          <a:bodyPr anchor="b"/>
+          <a:lstStyle>
+            <a:lvl1pPr>
+              <a:defRPr sz="6000"/>
+            </a:lvl1pPr>
+          </a:lstStyle>
+          <a:p>
+            <a:r>
+              <a:rPr lang="ru-RU"/>
+              <a:t>Образец заголовка</a:t>
+            </a:r>
+          </a:p>
+        </p:txBody>
+      </p:sp>
+      <p:sp>
+        <p:nvSpPr>
+          <p:cNvPr id="3" name="Текст 2">
+            <a:extLst>
+              <a:ext uri="{FF2B5EF4-FFF2-40B4-BE49-F238E27FC236}">
+                <a16:creationId xmlns:a16="http://schemas.microsoft.com/office/drawing/2014/main" id="{0823440B-F27B-3077-A478-C3DDC6FFA7D3}"/>
+              </a:ext>
+            </a:extLst>
+          </p:cNvPr>
+          <p:cNvSpPr>
+            <a:spLocks noGrp="1"/>
+          </p:cNvSpPr>
+          <p:nvPr>
+            <p:ph type="body" idx="1"/>
+          </p:nvPr>
+        </p:nvSpPr>
+        <p:spPr>
+          <a:xfrm>
+            <a:off x="831850" y="4589463"/>
+            <a:ext cx="10515600" cy="1500187"/>
+          </a:xfrm>
+        </p:spPr>
+        <p:txBody>
+          <a:bodyPr/>
+          <a:lstStyle>
+            <a:lvl1pPr marL="0" indent="0">
+              <a:buNone/>
+              <a:defRPr sz="2400">
+                <a:solidFill>
+                  <a:schemeClr val="tx1">
+                    <a:tint val="75000"/>
+                  </a:schemeClr>
+                </a:solidFill>
+              </a:defRPr>
+            </a:lvl1pPr>
+            <a:lvl2pPr marL="457200" indent="0">
+              <a:buNone/>
+              <a:defRPr sz="2000">
+                <a:solidFill>
+                  <a:schemeClr val="tx1">
+                    <a:tint val="75000"/>
+                  </a:schemeClr>
+                </a:solidFill>
+              </a:defRPr>
+            </a:lvl2pPr>
+            <a:lvl3pPr marL="914400" indent="0">
+              <a:buNone/>
+              <a:defRPr sz="1800">
+                <a:solidFill>
+                  <a:schemeClr val="tx1">
+                    <a:tint val="75000"/>
+                  </a:schemeClr>
+                </a:solidFill>
+              </a:defRPr>
+            </a:lvl3pPr>
+            <a:lvl4pPr marL="1371600" indent="0">
+              <a:buNone/>
+              <a:defRPr sz="1600">
+                <a:solidFill>
+                  <a:schemeClr val="tx1">
+                    <a:tint val="75000"/>
+                  </a:schemeClr>
+                </a:solidFill>
+              </a:defRPr>
+            </a:lvl4pPr>
+            <a:lvl5pPr marL="1828800" indent="0">
+              <a:buNone/>
+              <a:defRPr sz="1600">
+                <a:solidFill>
+                  <a:schemeClr val="tx1">
+                    <a:tint val="75000"/>
+                  </a:schemeClr>
+                </a:solidFill>
+              </a:defRPr>
+            </a:lvl5pPr>
+            <a:lvl6pPr marL="2286000" indent="0">
+              <a:buNone/>
+              <a:defRPr sz="1600">
+                <a:solidFill>
+                  <a:schemeClr val="tx1">
+                    <a:tint val="75000"/>
+                  </a:schemeClr>
+                </a:solidFill>
+              </a:defRPr>
+            </a:lvl6pPr>
+            <a:lvl7pPr marL="2743200" indent="0">
+              <a:buNone/>
+              <a:defRPr sz="1600">
+                <a:solidFill>
+                  <a:schemeClr val="tx1">
+                    <a:tint val="75000"/>
+                  </a:schemeClr>
+                </a:solidFill>
+              </a:defRPr>
+            </a:lvl7pPr>
+            <a:lvl8pPr marL="3200400" indent="0">
+              <a:buNone/>
+              <a:defRPr sz="1600">
+                <a:solidFill>
+                  <a:schemeClr val="tx1">
+                    <a:tint val="75000"/>
+                  </a:schemeClr>
+                </a:solidFill>
+              </a:defRPr>
+            </a:lvl8pPr>
+            <a:lvl9pPr marL="3657600" indent="0">
+              <a:buNone/>
+              <a:defRPr sz="1600">
+                <a:solidFill>
+                  <a:schemeClr val="tx1">
+                    <a:tint val="75000"/>
+                  </a:schemeClr>
+                </a:solidFill>
+              </a:defRPr>
+            </a:lvl9pPr>
+          </a:lstStyle>
+          <a:p>
+            <a:pPr lvl="0"/>
+            <a:r>
+              <a:rPr lang="ru-RU"/>
+              <a:t>Образец текста</a:t>
+            </a:r>
+          </a:p>
+        </p:txBody>
+      </p:sp>
+      <p:sp>
+        <p:nvSpPr>
+          <p:cNvPr id="4" name="Дата 3">
+            <a:extLst>
+              <a:ext uri="{FF2B5EF4-FFF2-40B4-BE49-F238E27FC236}">
+                <a16:creationId xmlns:a16="http://schemas.microsoft.com/office/drawing/2014/main" id="{BF8BC110-4832-5814-BE0E-F1EDF87B9E09}"/>
+              </a:ext>
+            </a:extLst>
+          </p:cNvPr>
+          <p:cNvSpPr>
+            <a:spLocks noGrp="1"/>
+          </p:cNvSpPr>
+          <p:nvPr>
+            <p:ph type="dt" sz="half" idx="10"/>
+          </p:nvPr>
+        </p:nvSpPr>
+        <p:spPr/>
+        <p:txBody>
+          <a:bodyPr/>
+          <a:lstStyle/>
+          <a:p>
+            <a:fld id="{CCE43E9A-B659-5F49-A741-A71BE20D2159}" type="datetime1">
+              <a:rPr lang="ru-RU" smtClean="0"/>
+              <a:t>13.06.2023</a:t>
+            </a:fld>
+            <a:endParaRPr lang="ru-RU"/>
+          </a:p>
+        </p:txBody>
+      </p:sp>
+      <p:sp>
+        <p:nvSpPr>
+          <p:cNvPr id="5" name="Нижний колонтитул 4">
+            <a:extLst>
+              <a:ext uri="{FF2B5EF4-FFF2-40B4-BE49-F238E27FC236}">
+                <a16:creationId xmlns:a16="http://schemas.microsoft.com/office/drawing/2014/main" id="{DC2D3B5A-3185-D8E4-8841-E224A407B660}"/>
+              </a:ext>
+            </a:extLst>
+          </p:cNvPr>
+          <p:cNvSpPr>
+            <a:spLocks noGrp="1"/>
+          </p:cNvSpPr>
+          <p:nvPr>
+            <p:ph type="ftr" sz="quarter" idx="11"/>
+          </p:nvPr>
+        </p:nvSpPr>
+        <p:spPr/>
+        <p:txBody>
+          <a:bodyPr/>
+          <a:lstStyle/>
+          <a:p>
+            <a:endParaRPr lang="ru-RU"/>
+          </a:p>
+        </p:txBody>
+      </p:sp>
+      <p:sp>
+        <p:nvSpPr>
+          <p:cNvPr id="6" name="Номер слайда 5">
+            <a:extLst>
+              <a:ext uri="{FF2B5EF4-FFF2-40B4-BE49-F238E27FC236}">
+                <a16:creationId xmlns:a16="http://schemas.microsoft.com/office/drawing/2014/main" id="{6E74C4D5-DF51-B3F8-AEDF-5F56B21659CF}"/>
+              </a:ext>
+            </a:extLst>
+          </p:cNvPr>
+          <p:cNvSpPr>
+            <a:spLocks noGrp="1"/>
+          </p:cNvSpPr>
+          <p:nvPr>
+            <p:ph type="sldNum" sz="quarter" idx="12"/>
+          </p:nvPr>
+        </p:nvSpPr>
+        <p:spPr/>
+        <p:txBody>
+          <a:bodyPr/>
+          <a:lstStyle/>
+          <a:p>
+            <a:fld id="{65178B5D-1FA4-8142-9A6F-7E75DC9B1E52}" type="slidenum">
+              <a:rPr lang="ru-RU" smtClean="0"/>
+              <a:t>‹#›</a:t>
+            </a:fld>
+            <a:endParaRPr lang="ru-RU"/>
+          </a:p>
+        </p:txBody>
+      </p:sp>
+    </p:spTree>
+    <p:extLst>
+      <p:ext uri="{BB962C8B-B14F-4D97-AF65-F5344CB8AC3E}">
+        <p14:creationId xmlns:p14="http://schemas.microsoft.com/office/powerpoint/2010/main" val="3844991450"/>
+      </p:ext>
+    </p:extLst>
+  </p:cSld>
+  <p:clrMapOvr>
+    <a:masterClrMapping/>
+  </p:clrMapOvr>
+</p:sldLayout>
+</file>
+
+<file path=ppt/slideLayouts/slideLayout15.xml><?xml version="1.0" encoding="utf-8"?>
+<p:sldLayout xmlns:a="http://schemas.openxmlformats.org/drawingml/2006/main" xmlns:r="http://schemas.openxmlformats.org/officeDocument/2006/relationships" xmlns:p="http://schemas.openxmlformats.org/presentationml/2006/main" type="twoObj" preserve="1">
+  <p:cSld name="Два объекта">
+    <p:spTree>
+      <p:nvGrpSpPr>
+        <p:cNvPr id="1" name=""/>
+        <p:cNvGrpSpPr/>
+        <p:nvPr/>
+      </p:nvGrpSpPr>
+      <p:grpSpPr>
+        <a:xfrm>
+          <a:off x="0" y="0"/>
+          <a:ext cx="0" cy="0"/>
+          <a:chOff x="0" y="0"/>
+          <a:chExt cx="0" cy="0"/>
+        </a:xfrm>
+      </p:grpSpPr>
+      <p:sp>
+        <p:nvSpPr>
+          <p:cNvPr id="2" name="Заголовок 1">
+            <a:extLst>
+              <a:ext uri="{FF2B5EF4-FFF2-40B4-BE49-F238E27FC236}">
+                <a16:creationId xmlns:a16="http://schemas.microsoft.com/office/drawing/2014/main" id="{48DA24BD-E212-6FFD-128C-7FAC6BC926DD}"/>
+              </a:ext>
+            </a:extLst>
+          </p:cNvPr>
+          <p:cNvSpPr>
+            <a:spLocks noGrp="1"/>
+          </p:cNvSpPr>
+          <p:nvPr>
+            <p:ph type="title"/>
+          </p:nvPr>
+        </p:nvSpPr>
+        <p:spPr>
+          <a:xfrm>
+            <a:off x="838200" y="365125"/>
+            <a:ext cx="10515600" cy="1325563"/>
+          </a:xfrm>
+          <a:prstGeom prst="rect">
+            <a:avLst/>
+          </a:prstGeom>
+        </p:spPr>
+        <p:txBody>
+          <a:bodyPr/>
+          <a:lstStyle/>
+          <a:p>
+            <a:r>
+              <a:rPr lang="ru-RU"/>
+              <a:t>Образец заголовка</a:t>
+            </a:r>
+          </a:p>
+        </p:txBody>
+      </p:sp>
+      <p:sp>
+        <p:nvSpPr>
+          <p:cNvPr id="3" name="Объект 2">
+            <a:extLst>
+              <a:ext uri="{FF2B5EF4-FFF2-40B4-BE49-F238E27FC236}">
+                <a16:creationId xmlns:a16="http://schemas.microsoft.com/office/drawing/2014/main" id="{18715F13-5C60-663F-DE05-F3D3A16CFDA1}"/>
+              </a:ext>
+            </a:extLst>
+          </p:cNvPr>
+          <p:cNvSpPr>
+            <a:spLocks noGrp="1"/>
+          </p:cNvSpPr>
+          <p:nvPr>
+            <p:ph sz="half" idx="1"/>
+          </p:nvPr>
+        </p:nvSpPr>
+        <p:spPr>
+          <a:xfrm>
+            <a:off x="838200" y="1825625"/>
+            <a:ext cx="5181600" cy="4351338"/>
+          </a:xfrm>
+        </p:spPr>
+        <p:txBody>
+          <a:bodyPr/>
+          <a:lstStyle/>
+          <a:p>
+            <a:pPr lvl="0"/>
+            <a:r>
+              <a:rPr lang="ru-RU"/>
+              <a:t>Образец текста</a:t>
+            </a:r>
+          </a:p>
+          <a:p>
+            <a:pPr lvl="1"/>
+            <a:r>
+              <a:rPr lang="ru-RU"/>
+              <a:t>Второй уровень</a:t>
+            </a:r>
+          </a:p>
+          <a:p>
+            <a:pPr lvl="2"/>
+            <a:r>
+              <a:rPr lang="ru-RU"/>
+              <a:t>Третий уровень</a:t>
+            </a:r>
+          </a:p>
+          <a:p>
+            <a:pPr lvl="3"/>
+            <a:r>
+              <a:rPr lang="ru-RU"/>
+              <a:t>Четвертый уровень</a:t>
+            </a:r>
+          </a:p>
+          <a:p>
+            <a:pPr lvl="4"/>
+            <a:r>
+              <a:rPr lang="ru-RU"/>
+              <a:t>Пятый уровень</a:t>
+            </a:r>
+          </a:p>
+        </p:txBody>
+      </p:sp>
+      <p:sp>
+        <p:nvSpPr>
+          <p:cNvPr id="4" name="Объект 3">
+            <a:extLst>
+              <a:ext uri="{FF2B5EF4-FFF2-40B4-BE49-F238E27FC236}">
+                <a16:creationId xmlns:a16="http://schemas.microsoft.com/office/drawing/2014/main" id="{FA72378B-834F-F0AF-6C4A-6D0A7604CCB7}"/>
+              </a:ext>
+            </a:extLst>
+          </p:cNvPr>
+          <p:cNvSpPr>
+            <a:spLocks noGrp="1"/>
+          </p:cNvSpPr>
+          <p:nvPr>
+            <p:ph sz="half" idx="2"/>
+          </p:nvPr>
+        </p:nvSpPr>
+        <p:spPr>
+          <a:xfrm>
+            <a:off x="6172200" y="1825625"/>
+            <a:ext cx="5181600" cy="4351338"/>
+          </a:xfrm>
+        </p:spPr>
+        <p:txBody>
+          <a:bodyPr/>
+          <a:lstStyle/>
+          <a:p>
+            <a:pPr lvl="0"/>
+            <a:r>
+              <a:rPr lang="ru-RU"/>
+              <a:t>Образец текста</a:t>
+            </a:r>
+          </a:p>
+          <a:p>
+            <a:pPr lvl="1"/>
+            <a:r>
+              <a:rPr lang="ru-RU"/>
+              <a:t>Второй уровень</a:t>
+            </a:r>
+          </a:p>
+          <a:p>
+            <a:pPr lvl="2"/>
+            <a:r>
+              <a:rPr lang="ru-RU"/>
+              <a:t>Третий уровень</a:t>
+            </a:r>
+          </a:p>
+          <a:p>
+            <a:pPr lvl="3"/>
+            <a:r>
+              <a:rPr lang="ru-RU"/>
+              <a:t>Четвертый уровень</a:t>
+            </a:r>
+          </a:p>
+          <a:p>
+            <a:pPr lvl="4"/>
+            <a:r>
+              <a:rPr lang="ru-RU"/>
+              <a:t>Пятый уровень</a:t>
+            </a:r>
+          </a:p>
+        </p:txBody>
+      </p:sp>
+      <p:sp>
+        <p:nvSpPr>
+          <p:cNvPr id="5" name="Дата 4">
+            <a:extLst>
+              <a:ext uri="{FF2B5EF4-FFF2-40B4-BE49-F238E27FC236}">
+                <a16:creationId xmlns:a16="http://schemas.microsoft.com/office/drawing/2014/main" id="{D0C29E2C-4ACF-7AC4-4FED-D73CD102E615}"/>
+              </a:ext>
+            </a:extLst>
+          </p:cNvPr>
+          <p:cNvSpPr>
+            <a:spLocks noGrp="1"/>
+          </p:cNvSpPr>
+          <p:nvPr>
+            <p:ph type="dt" sz="half" idx="10"/>
+          </p:nvPr>
+        </p:nvSpPr>
+        <p:spPr/>
+        <p:txBody>
+          <a:bodyPr/>
+          <a:lstStyle/>
+          <a:p>
+            <a:fld id="{9402E187-C009-734D-862F-584560A85713}" type="datetime1">
+              <a:rPr lang="ru-RU" smtClean="0"/>
+              <a:t>13.06.2023</a:t>
+            </a:fld>
+            <a:endParaRPr lang="ru-RU"/>
+          </a:p>
+        </p:txBody>
+      </p:sp>
+      <p:sp>
+        <p:nvSpPr>
+          <p:cNvPr id="6" name="Нижний колонтитул 5">
+            <a:extLst>
+              <a:ext uri="{FF2B5EF4-FFF2-40B4-BE49-F238E27FC236}">
+                <a16:creationId xmlns:a16="http://schemas.microsoft.com/office/drawing/2014/main" id="{F5660D76-FCBE-B8E0-034E-9E39EA88807E}"/>
+              </a:ext>
+            </a:extLst>
+          </p:cNvPr>
+          <p:cNvSpPr>
+            <a:spLocks noGrp="1"/>
+          </p:cNvSpPr>
+          <p:nvPr>
+            <p:ph type="ftr" sz="quarter" idx="11"/>
+          </p:nvPr>
+        </p:nvSpPr>
+        <p:spPr/>
+        <p:txBody>
+          <a:bodyPr/>
+          <a:lstStyle/>
+          <a:p>
+            <a:endParaRPr lang="ru-RU"/>
+          </a:p>
+        </p:txBody>
+      </p:sp>
+      <p:sp>
+        <p:nvSpPr>
+          <p:cNvPr id="7" name="Номер слайда 6">
+            <a:extLst>
+              <a:ext uri="{FF2B5EF4-FFF2-40B4-BE49-F238E27FC236}">
+                <a16:creationId xmlns:a16="http://schemas.microsoft.com/office/drawing/2014/main" id="{BE15F70D-D781-EBE1-FBB9-A48901FD2629}"/>
+              </a:ext>
+            </a:extLst>
+          </p:cNvPr>
+          <p:cNvSpPr>
+            <a:spLocks noGrp="1"/>
+          </p:cNvSpPr>
+          <p:nvPr>
+            <p:ph type="sldNum" sz="quarter" idx="12"/>
+          </p:nvPr>
+        </p:nvSpPr>
+        <p:spPr/>
+        <p:txBody>
+          <a:bodyPr/>
+          <a:lstStyle/>
+          <a:p>
+            <a:fld id="{65178B5D-1FA4-8142-9A6F-7E75DC9B1E52}" type="slidenum">
+              <a:rPr lang="ru-RU" smtClean="0"/>
+              <a:t>‹#›</a:t>
+            </a:fld>
+            <a:endParaRPr lang="ru-RU"/>
+          </a:p>
+        </p:txBody>
+      </p:sp>
+    </p:spTree>
+    <p:extLst>
+      <p:ext uri="{BB962C8B-B14F-4D97-AF65-F5344CB8AC3E}">
+        <p14:creationId xmlns:p14="http://schemas.microsoft.com/office/powerpoint/2010/main" val="474638484"/>
+      </p:ext>
+    </p:extLst>
+  </p:cSld>
+  <p:clrMapOvr>
+    <a:masterClrMapping/>
+  </p:clrMapOvr>
+</p:sldLayout>
+</file>
+
+<file path=ppt/slideLayouts/slideLayout16.xml><?xml version="1.0" encoding="utf-8"?>
+<p:sldLayout xmlns:a="http://schemas.openxmlformats.org/drawingml/2006/main" xmlns:r="http://schemas.openxmlformats.org/officeDocument/2006/relationships" xmlns:p="http://schemas.openxmlformats.org/presentationml/2006/main" type="twoTxTwoObj" preserve="1">
+  <p:cSld name="Сравнение">
+    <p:spTree>
+      <p:nvGrpSpPr>
+        <p:cNvPr id="1" name=""/>
+        <p:cNvGrpSpPr/>
+        <p:nvPr/>
+      </p:nvGrpSpPr>
+      <p:grpSpPr>
+        <a:xfrm>
+          <a:off x="0" y="0"/>
+          <a:ext cx="0" cy="0"/>
+          <a:chOff x="0" y="0"/>
+          <a:chExt cx="0" cy="0"/>
+        </a:xfrm>
+      </p:grpSpPr>
+      <p:sp>
+        <p:nvSpPr>
+          <p:cNvPr id="2" name="Заголовок 1">
+            <a:extLst>
+              <a:ext uri="{FF2B5EF4-FFF2-40B4-BE49-F238E27FC236}">
+                <a16:creationId xmlns:a16="http://schemas.microsoft.com/office/drawing/2014/main" id="{3E47B584-525C-72D7-55F2-4EDC7EA59693}"/>
+              </a:ext>
+            </a:extLst>
+          </p:cNvPr>
+          <p:cNvSpPr>
+            <a:spLocks noGrp="1"/>
+          </p:cNvSpPr>
+          <p:nvPr>
+            <p:ph type="title"/>
+          </p:nvPr>
+        </p:nvSpPr>
+        <p:spPr>
+          <a:xfrm>
+            <a:off x="839788" y="365125"/>
+            <a:ext cx="10515600" cy="1325563"/>
+          </a:xfrm>
+          <a:prstGeom prst="rect">
+            <a:avLst/>
+          </a:prstGeom>
+        </p:spPr>
+        <p:txBody>
+          <a:bodyPr/>
+          <a:lstStyle/>
+          <a:p>
+            <a:r>
+              <a:rPr lang="ru-RU"/>
+              <a:t>Образец заголовка</a:t>
+            </a:r>
+          </a:p>
+        </p:txBody>
+      </p:sp>
+      <p:sp>
+        <p:nvSpPr>
+          <p:cNvPr id="3" name="Текст 2">
+            <a:extLst>
+              <a:ext uri="{FF2B5EF4-FFF2-40B4-BE49-F238E27FC236}">
+                <a16:creationId xmlns:a16="http://schemas.microsoft.com/office/drawing/2014/main" id="{BEAB84D7-FF73-530F-F445-7610F32D64D1}"/>
+              </a:ext>
+            </a:extLst>
+          </p:cNvPr>
+          <p:cNvSpPr>
+            <a:spLocks noGrp="1"/>
+          </p:cNvSpPr>
+          <p:nvPr>
+            <p:ph type="body" idx="1"/>
+          </p:nvPr>
+        </p:nvSpPr>
+        <p:spPr>
+          <a:xfrm>
+            <a:off x="839788" y="1681163"/>
+            <a:ext cx="5157787" cy="823912"/>
+          </a:xfrm>
+        </p:spPr>
+        <p:txBody>
+          <a:bodyPr anchor="b"/>
+          <a:lstStyle>
+            <a:lvl1pPr marL="0" indent="0">
+              <a:buNone/>
+              <a:defRPr sz="2400" b="1"/>
+            </a:lvl1pPr>
+            <a:lvl2pPr marL="457200" indent="0">
+              <a:buNone/>
+              <a:defRPr sz="2000" b="1"/>
+            </a:lvl2pPr>
+            <a:lvl3pPr marL="914400" indent="0">
+              <a:buNone/>
+              <a:defRPr sz="1800" b="1"/>
+            </a:lvl3pPr>
+            <a:lvl4pPr marL="1371600" indent="0">
+              <a:buNone/>
+              <a:defRPr sz="1600" b="1"/>
+            </a:lvl4pPr>
+            <a:lvl5pPr marL="1828800" indent="0">
+              <a:buNone/>
+              <a:defRPr sz="1600" b="1"/>
+            </a:lvl5pPr>
+            <a:lvl6pPr marL="2286000" indent="0">
+              <a:buNone/>
+              <a:defRPr sz="1600" b="1"/>
+            </a:lvl6pPr>
+            <a:lvl7pPr marL="2743200" indent="0">
+              <a:buNone/>
+              <a:defRPr sz="1600" b="1"/>
+            </a:lvl7pPr>
+            <a:lvl8pPr marL="3200400" indent="0">
+              <a:buNone/>
+              <a:defRPr sz="1600" b="1"/>
+            </a:lvl8pPr>
+            <a:lvl9pPr marL="3657600" indent="0">
+              <a:buNone/>
+              <a:defRPr sz="1600" b="1"/>
+            </a:lvl9pPr>
+          </a:lstStyle>
+          <a:p>
+            <a:pPr lvl="0"/>
+            <a:r>
+              <a:rPr lang="ru-RU"/>
+              <a:t>Образец текста</a:t>
+            </a:r>
+          </a:p>
+        </p:txBody>
+      </p:sp>
+      <p:sp>
+        <p:nvSpPr>
+          <p:cNvPr id="4" name="Объект 3">
+            <a:extLst>
+              <a:ext uri="{FF2B5EF4-FFF2-40B4-BE49-F238E27FC236}">
+                <a16:creationId xmlns:a16="http://schemas.microsoft.com/office/drawing/2014/main" id="{C1FE1893-5FB2-5C72-8B88-18AC9FD0AD4B}"/>
+              </a:ext>
+            </a:extLst>
+          </p:cNvPr>
+          <p:cNvSpPr>
+            <a:spLocks noGrp="1"/>
+          </p:cNvSpPr>
+          <p:nvPr>
+            <p:ph sz="half" idx="2"/>
+          </p:nvPr>
+        </p:nvSpPr>
+        <p:spPr>
+          <a:xfrm>
+            <a:off x="839788" y="2505075"/>
+            <a:ext cx="5157787" cy="3684588"/>
+          </a:xfrm>
+        </p:spPr>
+        <p:txBody>
+          <a:bodyPr/>
+          <a:lstStyle/>
+          <a:p>
+            <a:pPr lvl="0"/>
+            <a:r>
+              <a:rPr lang="ru-RU"/>
+              <a:t>Образец текста</a:t>
+            </a:r>
+          </a:p>
+          <a:p>
+            <a:pPr lvl="1"/>
+            <a:r>
+              <a:rPr lang="ru-RU"/>
+              <a:t>Второй уровень</a:t>
+            </a:r>
+          </a:p>
+          <a:p>
+            <a:pPr lvl="2"/>
+            <a:r>
+              <a:rPr lang="ru-RU"/>
+              <a:t>Третий уровень</a:t>
+            </a:r>
+          </a:p>
+          <a:p>
+            <a:pPr lvl="3"/>
+            <a:r>
+              <a:rPr lang="ru-RU"/>
+              <a:t>Четвертый уровень</a:t>
+            </a:r>
+          </a:p>
+          <a:p>
+            <a:pPr lvl="4"/>
+            <a:r>
+              <a:rPr lang="ru-RU"/>
+              <a:t>Пятый уровень</a:t>
+            </a:r>
+          </a:p>
+        </p:txBody>
+      </p:sp>
+      <p:sp>
+        <p:nvSpPr>
+          <p:cNvPr id="5" name="Текст 4">
+            <a:extLst>
+              <a:ext uri="{FF2B5EF4-FFF2-40B4-BE49-F238E27FC236}">
+                <a16:creationId xmlns:a16="http://schemas.microsoft.com/office/drawing/2014/main" id="{C37D452C-D493-B54A-38F6-DEA723B1163B}"/>
+              </a:ext>
+            </a:extLst>
+          </p:cNvPr>
+          <p:cNvSpPr>
+            <a:spLocks noGrp="1"/>
+          </p:cNvSpPr>
+          <p:nvPr>
+            <p:ph type="body" sz="quarter" idx="3"/>
+          </p:nvPr>
+        </p:nvSpPr>
+        <p:spPr>
+          <a:xfrm>
+            <a:off x="6172200" y="1681163"/>
+            <a:ext cx="5183188" cy="823912"/>
+          </a:xfrm>
+        </p:spPr>
+        <p:txBody>
+          <a:bodyPr anchor="b"/>
+          <a:lstStyle>
+            <a:lvl1pPr marL="0" indent="0">
+              <a:buNone/>
+              <a:defRPr sz="2400" b="1"/>
+            </a:lvl1pPr>
+            <a:lvl2pPr marL="457200" indent="0">
+              <a:buNone/>
+              <a:defRPr sz="2000" b="1"/>
+            </a:lvl2pPr>
+            <a:lvl3pPr marL="914400" indent="0">
+              <a:buNone/>
+              <a:defRPr sz="1800" b="1"/>
+            </a:lvl3pPr>
+            <a:lvl4pPr marL="1371600" indent="0">
+              <a:buNone/>
+              <a:defRPr sz="1600" b="1"/>
+            </a:lvl4pPr>
+            <a:lvl5pPr marL="1828800" indent="0">
+              <a:buNone/>
+              <a:defRPr sz="1600" b="1"/>
+            </a:lvl5pPr>
+            <a:lvl6pPr marL="2286000" indent="0">
+              <a:buNone/>
+              <a:defRPr sz="1600" b="1"/>
+            </a:lvl6pPr>
+            <a:lvl7pPr marL="2743200" indent="0">
+              <a:buNone/>
+              <a:defRPr sz="1600" b="1"/>
+            </a:lvl7pPr>
+            <a:lvl8pPr marL="3200400" indent="0">
+              <a:buNone/>
+              <a:defRPr sz="1600" b="1"/>
+            </a:lvl8pPr>
+            <a:lvl9pPr marL="3657600" indent="0">
+              <a:buNone/>
+              <a:defRPr sz="1600" b="1"/>
+            </a:lvl9pPr>
+          </a:lstStyle>
+          <a:p>
+            <a:pPr lvl="0"/>
+            <a:r>
+              <a:rPr lang="ru-RU"/>
+              <a:t>Образец текста</a:t>
+            </a:r>
+          </a:p>
+        </p:txBody>
+      </p:sp>
+      <p:sp>
+        <p:nvSpPr>
+          <p:cNvPr id="6" name="Объект 5">
+            <a:extLst>
+              <a:ext uri="{FF2B5EF4-FFF2-40B4-BE49-F238E27FC236}">
+                <a16:creationId xmlns:a16="http://schemas.microsoft.com/office/drawing/2014/main" id="{39E811A0-7A59-C92C-DA94-32E177A5B9CA}"/>
+              </a:ext>
+            </a:extLst>
+          </p:cNvPr>
+          <p:cNvSpPr>
+            <a:spLocks noGrp="1"/>
+          </p:cNvSpPr>
+          <p:nvPr>
+            <p:ph sz="quarter" idx="4"/>
+          </p:nvPr>
+        </p:nvSpPr>
+        <p:spPr>
+          <a:xfrm>
+            <a:off x="6172200" y="2505075"/>
+            <a:ext cx="5183188" cy="3684588"/>
+          </a:xfrm>
+        </p:spPr>
+        <p:txBody>
+          <a:bodyPr/>
+          <a:lstStyle/>
+          <a:p>
+            <a:pPr lvl="0"/>
+            <a:r>
+              <a:rPr lang="ru-RU"/>
+              <a:t>Образец текста</a:t>
+            </a:r>
+          </a:p>
+          <a:p>
+            <a:pPr lvl="1"/>
+            <a:r>
+              <a:rPr lang="ru-RU"/>
+              <a:t>Второй уровень</a:t>
+            </a:r>
+          </a:p>
+          <a:p>
+            <a:pPr lvl="2"/>
+            <a:r>
+              <a:rPr lang="ru-RU"/>
+              <a:t>Третий уровень</a:t>
+            </a:r>
+          </a:p>
+          <a:p>
+            <a:pPr lvl="3"/>
+            <a:r>
+              <a:rPr lang="ru-RU"/>
+              <a:t>Четвертый уровень</a:t>
+            </a:r>
+          </a:p>
+          <a:p>
+            <a:pPr lvl="4"/>
+            <a:r>
+              <a:rPr lang="ru-RU"/>
+              <a:t>Пятый уровень</a:t>
+            </a:r>
+          </a:p>
+        </p:txBody>
+      </p:sp>
+      <p:sp>
+        <p:nvSpPr>
+          <p:cNvPr id="7" name="Дата 6">
+            <a:extLst>
+              <a:ext uri="{FF2B5EF4-FFF2-40B4-BE49-F238E27FC236}">
+                <a16:creationId xmlns:a16="http://schemas.microsoft.com/office/drawing/2014/main" id="{EBEFD941-20E1-1793-D6D0-0831AB31A891}"/>
+              </a:ext>
+            </a:extLst>
+          </p:cNvPr>
+          <p:cNvSpPr>
+            <a:spLocks noGrp="1"/>
+          </p:cNvSpPr>
+          <p:nvPr>
+            <p:ph type="dt" sz="half" idx="10"/>
+          </p:nvPr>
+        </p:nvSpPr>
+        <p:spPr/>
+        <p:txBody>
+          <a:bodyPr/>
+          <a:lstStyle/>
+          <a:p>
+            <a:fld id="{3AA0F62B-855A-954E-BF41-D1CA9272FE0D}" type="datetime1">
+              <a:rPr lang="ru-RU" smtClean="0"/>
+              <a:t>13.06.2023</a:t>
+            </a:fld>
+            <a:endParaRPr lang="ru-RU"/>
+          </a:p>
+        </p:txBody>
+      </p:sp>
+      <p:sp>
+        <p:nvSpPr>
+          <p:cNvPr id="8" name="Нижний колонтитул 7">
+            <a:extLst>
+              <a:ext uri="{FF2B5EF4-FFF2-40B4-BE49-F238E27FC236}">
+                <a16:creationId xmlns:a16="http://schemas.microsoft.com/office/drawing/2014/main" id="{832F423E-7818-A5BE-833E-AE84098BC89A}"/>
+              </a:ext>
+            </a:extLst>
+          </p:cNvPr>
+          <p:cNvSpPr>
+            <a:spLocks noGrp="1"/>
+          </p:cNvSpPr>
+          <p:nvPr>
+            <p:ph type="ftr" sz="quarter" idx="11"/>
+          </p:nvPr>
+        </p:nvSpPr>
+        <p:spPr/>
+        <p:txBody>
+          <a:bodyPr/>
+          <a:lstStyle/>
+          <a:p>
+            <a:endParaRPr lang="ru-RU"/>
+          </a:p>
+        </p:txBody>
+      </p:sp>
+      <p:sp>
+        <p:nvSpPr>
+          <p:cNvPr id="9" name="Номер слайда 8">
+            <a:extLst>
+              <a:ext uri="{FF2B5EF4-FFF2-40B4-BE49-F238E27FC236}">
+                <a16:creationId xmlns:a16="http://schemas.microsoft.com/office/drawing/2014/main" id="{A6CD130D-C595-44BD-EC29-73589B3B8FF3}"/>
+              </a:ext>
+            </a:extLst>
+          </p:cNvPr>
+          <p:cNvSpPr>
+            <a:spLocks noGrp="1"/>
+          </p:cNvSpPr>
+          <p:nvPr>
+            <p:ph type="sldNum" sz="quarter" idx="12"/>
+          </p:nvPr>
+        </p:nvSpPr>
+        <p:spPr/>
+        <p:txBody>
+          <a:bodyPr/>
+          <a:lstStyle/>
+          <a:p>
+            <a:fld id="{65178B5D-1FA4-8142-9A6F-7E75DC9B1E52}" type="slidenum">
+              <a:rPr lang="ru-RU" smtClean="0"/>
+              <a:t>‹#›</a:t>
+            </a:fld>
+            <a:endParaRPr lang="ru-RU"/>
+          </a:p>
+        </p:txBody>
+      </p:sp>
+    </p:spTree>
+    <p:extLst>
+      <p:ext uri="{BB962C8B-B14F-4D97-AF65-F5344CB8AC3E}">
+        <p14:creationId xmlns:p14="http://schemas.microsoft.com/office/powerpoint/2010/main" val="1875784039"/>
+      </p:ext>
+    </p:extLst>
+  </p:cSld>
+  <p:clrMapOvr>
+    <a:masterClrMapping/>
+  </p:clrMapOvr>
+</p:sldLayout>
+</file>
+
+<file path=ppt/slideLayouts/slideLayout17.xml><?xml version="1.0" encoding="utf-8"?>
+<p:sldLayout xmlns:a="http://schemas.openxmlformats.org/drawingml/2006/main" xmlns:r="http://schemas.openxmlformats.org/officeDocument/2006/relationships" xmlns:p="http://schemas.openxmlformats.org/presentationml/2006/main" type="titleOnly" preserve="1">
+  <p:cSld name="Только заголовок">
+    <p:spTree>
+      <p:nvGrpSpPr>
+        <p:cNvPr id="1" name=""/>
+        <p:cNvGrpSpPr/>
+        <p:nvPr/>
+      </p:nvGrpSpPr>
+      <p:grpSpPr>
+        <a:xfrm>
+          <a:off x="0" y="0"/>
+          <a:ext cx="0" cy="0"/>
+          <a:chOff x="0" y="0"/>
+          <a:chExt cx="0" cy="0"/>
+        </a:xfrm>
+      </p:grpSpPr>
+      <p:sp>
+        <p:nvSpPr>
+          <p:cNvPr id="2" name="Заголовок 1">
+            <a:extLst>
+              <a:ext uri="{FF2B5EF4-FFF2-40B4-BE49-F238E27FC236}">
+                <a16:creationId xmlns:a16="http://schemas.microsoft.com/office/drawing/2014/main" id="{CF7A1CB1-9435-9EE3-9603-BFF6350B3B64}"/>
+              </a:ext>
+            </a:extLst>
+          </p:cNvPr>
+          <p:cNvSpPr>
+            <a:spLocks noGrp="1"/>
+          </p:cNvSpPr>
+          <p:nvPr>
+            <p:ph type="title"/>
+          </p:nvPr>
+        </p:nvSpPr>
+        <p:spPr>
+          <a:xfrm>
+            <a:off x="838200" y="365125"/>
+            <a:ext cx="10515600" cy="1325563"/>
+          </a:xfrm>
+          <a:prstGeom prst="rect">
+            <a:avLst/>
+          </a:prstGeom>
+        </p:spPr>
+        <p:txBody>
+          <a:bodyPr/>
+          <a:lstStyle/>
+          <a:p>
+            <a:r>
+              <a:rPr lang="ru-RU"/>
+              <a:t>Образец заголовка</a:t>
+            </a:r>
+          </a:p>
+        </p:txBody>
+      </p:sp>
+      <p:sp>
+        <p:nvSpPr>
+          <p:cNvPr id="3" name="Дата 2">
+            <a:extLst>
+              <a:ext uri="{FF2B5EF4-FFF2-40B4-BE49-F238E27FC236}">
+                <a16:creationId xmlns:a16="http://schemas.microsoft.com/office/drawing/2014/main" id="{9EC86F94-D499-D8F2-048D-EA99159F7C1F}"/>
+              </a:ext>
+            </a:extLst>
+          </p:cNvPr>
+          <p:cNvSpPr>
+            <a:spLocks noGrp="1"/>
+          </p:cNvSpPr>
+          <p:nvPr>
+            <p:ph type="dt" sz="half" idx="10"/>
+          </p:nvPr>
+        </p:nvSpPr>
+        <p:spPr/>
+        <p:txBody>
+          <a:bodyPr/>
+          <a:lstStyle/>
+          <a:p>
+            <a:fld id="{B759E106-D305-144B-BC41-9A8277706B0C}" type="datetime1">
+              <a:rPr lang="ru-RU" smtClean="0"/>
+              <a:t>13.06.2023</a:t>
+            </a:fld>
+            <a:endParaRPr lang="ru-RU"/>
+          </a:p>
+        </p:txBody>
+      </p:sp>
+      <p:sp>
+        <p:nvSpPr>
+          <p:cNvPr id="4" name="Нижний колонтитул 3">
+            <a:extLst>
+              <a:ext uri="{FF2B5EF4-FFF2-40B4-BE49-F238E27FC236}">
+                <a16:creationId xmlns:a16="http://schemas.microsoft.com/office/drawing/2014/main" id="{60AA2839-F525-6316-9A28-3CD4CD52A65B}"/>
+              </a:ext>
+            </a:extLst>
+          </p:cNvPr>
+          <p:cNvSpPr>
+            <a:spLocks noGrp="1"/>
+          </p:cNvSpPr>
+          <p:nvPr>
+            <p:ph type="ftr" sz="quarter" idx="11"/>
+          </p:nvPr>
+        </p:nvSpPr>
+        <p:spPr/>
+        <p:txBody>
+          <a:bodyPr/>
+          <a:lstStyle/>
+          <a:p>
+            <a:endParaRPr lang="ru-RU"/>
+          </a:p>
+        </p:txBody>
+      </p:sp>
+      <p:sp>
+        <p:nvSpPr>
+          <p:cNvPr id="5" name="Номер слайда 4">
+            <a:extLst>
+              <a:ext uri="{FF2B5EF4-FFF2-40B4-BE49-F238E27FC236}">
+                <a16:creationId xmlns:a16="http://schemas.microsoft.com/office/drawing/2014/main" id="{A6194C90-94BC-9B43-60CC-5516A0CC90DE}"/>
+              </a:ext>
+            </a:extLst>
+          </p:cNvPr>
+          <p:cNvSpPr>
+            <a:spLocks noGrp="1"/>
+          </p:cNvSpPr>
+          <p:nvPr>
+            <p:ph type="sldNum" sz="quarter" idx="12"/>
+          </p:nvPr>
+        </p:nvSpPr>
+        <p:spPr/>
+        <p:txBody>
+          <a:bodyPr/>
+          <a:lstStyle/>
+          <a:p>
+            <a:fld id="{65178B5D-1FA4-8142-9A6F-7E75DC9B1E52}" type="slidenum">
+              <a:rPr lang="ru-RU" smtClean="0"/>
+              <a:t>‹#›</a:t>
+            </a:fld>
+            <a:endParaRPr lang="ru-RU"/>
+          </a:p>
+        </p:txBody>
+      </p:sp>
+    </p:spTree>
+    <p:extLst>
+      <p:ext uri="{BB962C8B-B14F-4D97-AF65-F5344CB8AC3E}">
+        <p14:creationId xmlns:p14="http://schemas.microsoft.com/office/powerpoint/2010/main" val="2875597182"/>
+      </p:ext>
+    </p:extLst>
+  </p:cSld>
+  <p:clrMapOvr>
+    <a:masterClrMapping/>
+  </p:clrMapOvr>
+</p:sldLayout>
+</file>
+
+<file path=ppt/slideLayouts/slideLayout18.xml><?xml version="1.0" encoding="utf-8"?>
+<p:sldLayout xmlns:a="http://schemas.openxmlformats.org/drawingml/2006/main" xmlns:r="http://schemas.openxmlformats.org/officeDocument/2006/relationships" xmlns:p="http://schemas.openxmlformats.org/presentationml/2006/main" preserve="1" userDrawn="1">
+  <p:cSld name="Пользовательский макет">
+    <p:spTree>
+      <p:nvGrpSpPr>
+        <p:cNvPr id="1" name=""/>
+        <p:cNvGrpSpPr/>
+        <p:nvPr/>
+      </p:nvGrpSpPr>
+      <p:grpSpPr>
+        <a:xfrm>
+          <a:off x="0" y="0"/>
+          <a:ext cx="0" cy="0"/>
+          <a:chOff x="0" y="0"/>
+          <a:chExt cx="0" cy="0"/>
+        </a:xfrm>
+      </p:grpSpPr>
+    </p:spTree>
+    <p:extLst>
+      <p:ext uri="{BB962C8B-B14F-4D97-AF65-F5344CB8AC3E}">
+        <p14:creationId xmlns:p14="http://schemas.microsoft.com/office/powerpoint/2010/main" val="3529813600"/>
       </p:ext>
     </p:extLst>
   </p:cSld>
@@ -1349,8 +2970,8 @@
         </p:nvSpPr>
         <p:spPr>
           <a:xfrm>
-            <a:off x="838200" y="365125"/>
-            <a:ext cx="10515600" cy="1325563"/>
+            <a:off x="838200" y="558007"/>
+            <a:ext cx="10515600" cy="514350"/>
           </a:xfrm>
           <a:prstGeom prst="rect">
             <a:avLst/>
@@ -1361,7 +2982,7 @@
           <a:lstStyle/>
           <a:p>
             <a:r>
-              <a:rPr lang="ru-RU"/>
+              <a:rPr lang="ru-RU" dirty="0"/>
               <a:t>Образец заголовка</a:t>
             </a:r>
           </a:p>
@@ -1390,35 +3011,35 @@
           <a:p>
             <a:pPr lvl="0"/>
             <a:r>
-              <a:rPr lang="ru-RU"/>
+              <a:rPr lang="ru-RU" dirty="0"/>
               <a:t>Образец текста</a:t>
             </a:r>
           </a:p>
           <a:p>
             <a:pPr lvl="1"/>
             <a:r>
-              <a:rPr lang="ru-RU"/>
+              <a:rPr lang="ru-RU" dirty="0"/>
               <a:t>Второй уровень</a:t>
             </a:r>
           </a:p>
           <a:p>
             <a:pPr lvl="2"/>
             <a:r>
-              <a:rPr lang="ru-RU"/>
+              <a:rPr lang="ru-RU" dirty="0"/>
               <a:t>Третий уровень</a:t>
             </a:r>
           </a:p>
           <a:p>
             <a:pPr lvl="3"/>
             <a:r>
-              <a:rPr lang="ru-RU"/>
+              <a:rPr lang="ru-RU" dirty="0"/>
               <a:t>Четвертый уровень</a:t>
             </a:r>
           </a:p>
           <a:p>
             <a:pPr lvl="4"/>
             <a:r>
-              <a:rPr lang="ru-RU"/>
+              <a:rPr lang="ru-RU" dirty="0"/>
               <a:t>Пятый уровень</a:t>
             </a:r>
           </a:p>
@@ -1447,7 +3068,7 @@
           <a:p>
             <a:fld id="{A7B922D0-D777-9A44-B4FE-DE43244043A2}" type="datetime1">
               <a:rPr lang="ru-RU" smtClean="0"/>
-              <a:t>03.06.2023</a:t>
+              <a:t>13.06.2023</a:t>
             </a:fld>
             <a:endParaRPr lang="ru-RU"/>
           </a:p>
@@ -1507,6 +3128,49 @@
           </a:p>
         </p:txBody>
       </p:sp>
+      <p:cxnSp>
+        <p:nvCxnSpPr>
+          <p:cNvPr id="8" name="Прямая соединительная линия 7">
+            <a:extLst>
+              <a:ext uri="{FF2B5EF4-FFF2-40B4-BE49-F238E27FC236}">
+                <a16:creationId xmlns:a16="http://schemas.microsoft.com/office/drawing/2014/main" id="{7BD840F1-47F2-4F4B-9999-6F44C7C19779}"/>
+              </a:ext>
+            </a:extLst>
+          </p:cNvPr>
+          <p:cNvCxnSpPr>
+            <a:cxnSpLocks/>
+          </p:cNvCxnSpPr>
+          <p:nvPr userDrawn="1"/>
+        </p:nvCxnSpPr>
+        <p:spPr>
+          <a:xfrm>
+            <a:off x="838200" y="1219200"/>
+            <a:ext cx="6610350" cy="0"/>
+          </a:xfrm>
+          <a:prstGeom prst="line">
+            <a:avLst/>
+          </a:prstGeom>
+          <a:ln w="22225">
+            <a:solidFill>
+              <a:srgbClr val="02BBB5"/>
+            </a:solidFill>
+          </a:ln>
+        </p:spPr>
+        <p:style>
+          <a:lnRef idx="1">
+            <a:schemeClr val="accent1"/>
+          </a:lnRef>
+          <a:fillRef idx="0">
+            <a:schemeClr val="accent1"/>
+          </a:fillRef>
+          <a:effectRef idx="0">
+            <a:schemeClr val="accent1"/>
+          </a:effectRef>
+          <a:fontRef idx="minor">
+            <a:schemeClr val="tx1"/>
+          </a:fontRef>
+        </p:style>
+      </p:cxnSp>
     </p:spTree>
     <p:extLst>
       <p:ext uri="{BB962C8B-B14F-4D97-AF65-F5344CB8AC3E}">
@@ -1725,7 +3389,7 @@
           <a:p>
             <a:fld id="{CCE43E9A-B659-5F49-A741-A71BE20D2159}" type="datetime1">
               <a:rPr lang="ru-RU" smtClean="0"/>
-              <a:t>03.06.2023</a:t>
+              <a:t>13.06.2023</a:t>
             </a:fld>
             <a:endParaRPr lang="ru-RU"/>
           </a:p>
@@ -1998,7 +3662,7 @@
           <a:p>
             <a:fld id="{9402E187-C009-734D-862F-584560A85713}" type="datetime1">
               <a:rPr lang="ru-RU" smtClean="0"/>
-              <a:t>03.06.2023</a:t>
+              <a:t>13.06.2023</a:t>
             </a:fld>
             <a:endParaRPr lang="ru-RU"/>
           </a:p>
@@ -2413,7 +4077,7 @@
           <a:p>
             <a:fld id="{3AA0F62B-855A-954E-BF41-D1CA9272FE0D}" type="datetime1">
               <a:rPr lang="ru-RU" smtClean="0"/>
-              <a:t>03.06.2023</a:t>
+              <a:t>13.06.2023</a:t>
             </a:fld>
             <a:endParaRPr lang="ru-RU"/>
           </a:p>
@@ -2562,7 +4226,7 @@
           <a:p>
             <a:fld id="{B759E106-D305-144B-BC41-9A8277706B0C}" type="datetime1">
               <a:rPr lang="ru-RU" smtClean="0"/>
-              <a:t>03.06.2023</a:t>
+              <a:t>13.06.2023</a:t>
             </a:fld>
             <a:endParaRPr lang="ru-RU"/>
           </a:p>
@@ -2675,7 +4339,7 @@
           <a:p>
             <a:fld id="{704B0686-6308-5144-AD6D-3A897ED3948B}" type="datetime1">
               <a:rPr lang="ru-RU" smtClean="0"/>
-              <a:t>03.06.2023</a:t>
+              <a:t>13.06.2023</a:t>
             </a:fld>
             <a:endParaRPr lang="ru-RU"/>
           </a:p>
@@ -2989,7 +4653,7 @@
           <a:p>
             <a:fld id="{6C536931-3DAF-9442-822C-7D82A2A075F2}" type="datetime1">
               <a:rPr lang="ru-RU" smtClean="0"/>
-              <a:t>03.06.2023</a:t>
+              <a:t>13.06.2023</a:t>
             </a:fld>
             <a:endParaRPr lang="ru-RU"/>
           </a:p>
@@ -3280,7 +4944,7 @@
           <a:p>
             <a:fld id="{824038C4-7435-5241-A7B3-7E75747E286E}" type="datetime1">
               <a:rPr lang="ru-RU" smtClean="0"/>
-              <a:t>03.06.2023</a:t>
+              <a:t>13.06.2023</a:t>
             </a:fld>
             <a:endParaRPr lang="ru-RU"/>
           </a:p>
@@ -3354,7 +5018,7 @@
 </file>
 
 <file path=ppt/slideMasters/slideMaster1.xml><?xml version="1.0" encoding="utf-8"?>
-<p:sldMaster xmlns:a="http://schemas.openxmlformats.org/drawingml/2006/main" xmlns:r="http://schemas.openxmlformats.org/officeDocument/2006/relationships" xmlns:p="http://schemas.openxmlformats.org/presentationml/2006/main">
+<p:sldMaster xmlns:a="http://schemas.openxmlformats.org/drawingml/2006/main" xmlns:r="http://schemas.openxmlformats.org/officeDocument/2006/relationships" xmlns:p="http://schemas.openxmlformats.org/presentationml/2006/main" preserve="1">
   <p:cSld>
     <p:bg>
       <p:bgRef idx="1001">
@@ -3375,61 +5039,36 @@
           <a:chExt cx="0" cy="0"/>
         </a:xfrm>
       </p:grpSpPr>
-      <p:sp>
-        <p:nvSpPr>
-          <p:cNvPr id="8" name="Прямоугольник 7">
-            <a:extLst>
-              <a:ext uri="{FF2B5EF4-FFF2-40B4-BE49-F238E27FC236}">
-                <a16:creationId xmlns:a16="http://schemas.microsoft.com/office/drawing/2014/main" id="{7418873F-27FC-872A-CA33-4DD0956B5B5C}"/>
-              </a:ext>
-            </a:extLst>
-          </p:cNvPr>
-          <p:cNvSpPr/>
+      <p:pic>
+        <p:nvPicPr>
+          <p:cNvPr id="2" name="Рисунок 1">
+            <a:extLst>
+              <a:ext uri="{FF2B5EF4-FFF2-40B4-BE49-F238E27FC236}">
+                <a16:creationId xmlns:a16="http://schemas.microsoft.com/office/drawing/2014/main" id="{0F5D1134-FCF7-49CB-87F8-F2DDAED820CB}"/>
+              </a:ext>
+            </a:extLst>
+          </p:cNvPr>
+          <p:cNvPicPr>
+            <a:picLocks noChangeAspect="1"/>
+          </p:cNvPicPr>
           <p:nvPr userDrawn="1"/>
-        </p:nvSpPr>
+        </p:nvPicPr>
+        <p:blipFill>
+          <a:blip r:embed="rId13"/>
+          <a:stretch>
+            <a:fillRect/>
+          </a:stretch>
+        </p:blipFill>
         <p:spPr>
           <a:xfrm>
-            <a:off x="10756900" y="230188"/>
-            <a:ext cx="1193800" cy="394494"/>
+            <a:off x="10691349" y="187627"/>
+            <a:ext cx="1431040" cy="437055"/>
           </a:xfrm>
           <a:prstGeom prst="rect">
             <a:avLst/>
           </a:prstGeom>
-          <a:blipFill>
-            <a:blip r:embed="rId13"/>
-            <a:stretch>
-              <a:fillRect/>
-            </a:stretch>
-          </a:blipFill>
-          <a:ln>
-            <a:noFill/>
-          </a:ln>
         </p:spPr>
-        <p:style>
-          <a:lnRef idx="2">
-            <a:schemeClr val="accent1">
-              <a:shade val="50000"/>
-            </a:schemeClr>
-          </a:lnRef>
-          <a:fillRef idx="1">
-            <a:schemeClr val="accent1"/>
-          </a:fillRef>
-          <a:effectRef idx="0">
-            <a:schemeClr val="accent1"/>
-          </a:effectRef>
-          <a:fontRef idx="minor">
-            <a:schemeClr val="lt1"/>
-          </a:fontRef>
-        </p:style>
-        <p:txBody>
-          <a:bodyPr rtlCol="0" anchor="ctr"/>
-          <a:lstStyle/>
-          <a:p>
-            <a:pPr algn="ctr"/>
-            <a:endParaRPr lang="ru-RU"/>
-          </a:p>
-        </p:txBody>
-      </p:sp>
+      </p:pic>
       <p:sp>
         <p:nvSpPr>
           <p:cNvPr id="3" name="Текст 2">
@@ -3538,7 +5177,7 @@
           <a:p>
             <a:fld id="{363305CF-C647-484A-9636-603C7D856A71}" type="datetime1">
               <a:rPr lang="ru-RU" smtClean="0"/>
-              <a:t>03.06.2023</a:t>
+              <a:t>13.06.2023</a:t>
             </a:fld>
             <a:endParaRPr lang="ru-RU"/>
           </a:p>
@@ -3665,7 +5304,7 @@
           <a:lstStyle/>
           <a:p>
             <a:r>
-              <a:rPr lang="ru-RU"/>
+              <a:rPr lang="ru-RU" dirty="0"/>
               <a:t>Образец заголовка</a:t>
             </a:r>
           </a:p>
@@ -3703,9 +5342,9 @@
           <a:spcPct val="0"/>
         </a:spcBef>
         <a:buNone/>
-        <a:defRPr sz="4400" kern="1200">
+        <a:defRPr sz="4400" kern="1200" baseline="0">
           <a:solidFill>
-            <a:schemeClr val="tx1"/>
+            <a:srgbClr val="02BBB5"/>
           </a:solidFill>
           <a:latin typeface="+mj-lt"/>
           <a:ea typeface="+mj-ea"/>
@@ -3976,6 +5615,1218 @@
 </p:sldMaster>
 </file>
 
+<file path=ppt/slideMasters/slideMaster2.xml><?xml version="1.0" encoding="utf-8"?>
+<p:sldMaster xmlns:a="http://schemas.openxmlformats.org/drawingml/2006/main" xmlns:r="http://schemas.openxmlformats.org/officeDocument/2006/relationships" xmlns:p="http://schemas.openxmlformats.org/presentationml/2006/main" preserve="1">
+  <p:cSld>
+    <p:bg>
+      <p:bgPr>
+        <a:solidFill>
+          <a:srgbClr val="02BBB5"/>
+        </a:solidFill>
+        <a:effectLst/>
+      </p:bgPr>
+    </p:bg>
+    <p:spTree>
+      <p:nvGrpSpPr>
+        <p:cNvPr id="1" name=""/>
+        <p:cNvGrpSpPr/>
+        <p:nvPr/>
+      </p:nvGrpSpPr>
+      <p:grpSpPr>
+        <a:xfrm>
+          <a:off x="0" y="0"/>
+          <a:ext cx="0" cy="0"/>
+          <a:chOff x="0" y="0"/>
+          <a:chExt cx="0" cy="0"/>
+        </a:xfrm>
+      </p:grpSpPr>
+      <p:sp>
+        <p:nvSpPr>
+          <p:cNvPr id="8" name="Прямоугольник 7">
+            <a:extLst>
+              <a:ext uri="{FF2B5EF4-FFF2-40B4-BE49-F238E27FC236}">
+                <a16:creationId xmlns:a16="http://schemas.microsoft.com/office/drawing/2014/main" id="{7418873F-27FC-872A-CA33-4DD0956B5B5C}"/>
+              </a:ext>
+            </a:extLst>
+          </p:cNvPr>
+          <p:cNvSpPr/>
+          <p:nvPr userDrawn="1"/>
+        </p:nvSpPr>
+        <p:spPr>
+          <a:xfrm>
+            <a:off x="10756900" y="230188"/>
+            <a:ext cx="1193800" cy="394494"/>
+          </a:xfrm>
+          <a:prstGeom prst="rect">
+            <a:avLst/>
+          </a:prstGeom>
+          <a:blipFill>
+            <a:blip r:embed="rId8"/>
+            <a:stretch>
+              <a:fillRect/>
+            </a:stretch>
+          </a:blipFill>
+          <a:ln>
+            <a:noFill/>
+          </a:ln>
+        </p:spPr>
+        <p:style>
+          <a:lnRef idx="2">
+            <a:schemeClr val="accent1">
+              <a:shade val="50000"/>
+            </a:schemeClr>
+          </a:lnRef>
+          <a:fillRef idx="1">
+            <a:schemeClr val="accent1"/>
+          </a:fillRef>
+          <a:effectRef idx="0">
+            <a:schemeClr val="accent1"/>
+          </a:effectRef>
+          <a:fontRef idx="minor">
+            <a:schemeClr val="lt1"/>
+          </a:fontRef>
+        </p:style>
+        <p:txBody>
+          <a:bodyPr rtlCol="0" anchor="ctr"/>
+          <a:lstStyle/>
+          <a:p>
+            <a:pPr algn="ctr"/>
+            <a:endParaRPr lang="ru-RU" dirty="0"/>
+          </a:p>
+        </p:txBody>
+      </p:sp>
+      <p:sp>
+        <p:nvSpPr>
+          <p:cNvPr id="3" name="Текст 2">
+            <a:extLst>
+              <a:ext uri="{FF2B5EF4-FFF2-40B4-BE49-F238E27FC236}">
+                <a16:creationId xmlns:a16="http://schemas.microsoft.com/office/drawing/2014/main" id="{569F0652-E8A3-4241-B039-613D074252DA}"/>
+              </a:ext>
+            </a:extLst>
+          </p:cNvPr>
+          <p:cNvSpPr>
+            <a:spLocks noGrp="1"/>
+          </p:cNvSpPr>
+          <p:nvPr>
+            <p:ph type="body" idx="1"/>
+          </p:nvPr>
+        </p:nvSpPr>
+        <p:spPr>
+          <a:xfrm>
+            <a:off x="838200" y="1825625"/>
+            <a:ext cx="10515600" cy="4351338"/>
+          </a:xfrm>
+          <a:prstGeom prst="rect">
+            <a:avLst/>
+          </a:prstGeom>
+        </p:spPr>
+        <p:txBody>
+          <a:bodyPr vert="horz" lIns="91440" tIns="45720" rIns="91440" bIns="45720" rtlCol="0">
+            <a:normAutofit/>
+          </a:bodyPr>
+          <a:lstStyle/>
+          <a:p>
+            <a:pPr lvl="0"/>
+            <a:r>
+              <a:rPr lang="ru-RU" dirty="0"/>
+              <a:t>Образец текста</a:t>
+            </a:r>
+          </a:p>
+          <a:p>
+            <a:pPr lvl="1"/>
+            <a:r>
+              <a:rPr lang="ru-RU" dirty="0"/>
+              <a:t>Второй уровень</a:t>
+            </a:r>
+          </a:p>
+          <a:p>
+            <a:pPr lvl="2"/>
+            <a:r>
+              <a:rPr lang="ru-RU" dirty="0"/>
+              <a:t>Третий уровень</a:t>
+            </a:r>
+          </a:p>
+          <a:p>
+            <a:pPr lvl="3"/>
+            <a:r>
+              <a:rPr lang="ru-RU" dirty="0"/>
+              <a:t>Четвертый уровень</a:t>
+            </a:r>
+          </a:p>
+          <a:p>
+            <a:pPr lvl="4"/>
+            <a:r>
+              <a:rPr lang="ru-RU" dirty="0"/>
+              <a:t>Пятый уровень</a:t>
+            </a:r>
+          </a:p>
+        </p:txBody>
+      </p:sp>
+      <p:sp>
+        <p:nvSpPr>
+          <p:cNvPr id="4" name="Дата 3">
+            <a:extLst>
+              <a:ext uri="{FF2B5EF4-FFF2-40B4-BE49-F238E27FC236}">
+                <a16:creationId xmlns:a16="http://schemas.microsoft.com/office/drawing/2014/main" id="{5A84A6D3-5F3E-07AA-354B-F2DCBF05654F}"/>
+              </a:ext>
+            </a:extLst>
+          </p:cNvPr>
+          <p:cNvSpPr>
+            <a:spLocks noGrp="1"/>
+          </p:cNvSpPr>
+          <p:nvPr>
+            <p:ph type="dt" sz="half" idx="2"/>
+          </p:nvPr>
+        </p:nvSpPr>
+        <p:spPr>
+          <a:xfrm>
+            <a:off x="838200" y="6356350"/>
+            <a:ext cx="2743200" cy="365125"/>
+          </a:xfrm>
+          <a:prstGeom prst="rect">
+            <a:avLst/>
+          </a:prstGeom>
+        </p:spPr>
+        <p:txBody>
+          <a:bodyPr vert="horz" lIns="91440" tIns="45720" rIns="91440" bIns="45720" rtlCol="0" anchor="ctr"/>
+          <a:lstStyle>
+            <a:lvl1pPr algn="l">
+              <a:defRPr sz="1200">
+                <a:solidFill>
+                  <a:schemeClr val="tx1">
+                    <a:tint val="75000"/>
+                  </a:schemeClr>
+                </a:solidFill>
+              </a:defRPr>
+            </a:lvl1pPr>
+          </a:lstStyle>
+          <a:p>
+            <a:fld id="{363305CF-C647-484A-9636-603C7D856A71}" type="datetime1">
+              <a:rPr lang="ru-RU" smtClean="0"/>
+              <a:t>13.06.2023</a:t>
+            </a:fld>
+            <a:endParaRPr lang="ru-RU"/>
+          </a:p>
+        </p:txBody>
+      </p:sp>
+      <p:sp>
+        <p:nvSpPr>
+          <p:cNvPr id="5" name="Нижний колонтитул 4">
+            <a:extLst>
+              <a:ext uri="{FF2B5EF4-FFF2-40B4-BE49-F238E27FC236}">
+                <a16:creationId xmlns:a16="http://schemas.microsoft.com/office/drawing/2014/main" id="{EAABF342-05B3-8ABF-0F9C-C1D970A9FC38}"/>
+              </a:ext>
+            </a:extLst>
+          </p:cNvPr>
+          <p:cNvSpPr>
+            <a:spLocks noGrp="1"/>
+          </p:cNvSpPr>
+          <p:nvPr>
+            <p:ph type="ftr" sz="quarter" idx="3"/>
+          </p:nvPr>
+        </p:nvSpPr>
+        <p:spPr>
+          <a:xfrm>
+            <a:off x="4038600" y="6356350"/>
+            <a:ext cx="4114800" cy="365125"/>
+          </a:xfrm>
+          <a:prstGeom prst="rect">
+            <a:avLst/>
+          </a:prstGeom>
+        </p:spPr>
+        <p:txBody>
+          <a:bodyPr vert="horz" lIns="91440" tIns="45720" rIns="91440" bIns="45720" rtlCol="0" anchor="ctr"/>
+          <a:lstStyle>
+            <a:lvl1pPr algn="ctr">
+              <a:defRPr sz="1200">
+                <a:solidFill>
+                  <a:schemeClr val="tx1">
+                    <a:tint val="75000"/>
+                  </a:schemeClr>
+                </a:solidFill>
+              </a:defRPr>
+            </a:lvl1pPr>
+          </a:lstStyle>
+          <a:p>
+            <a:endParaRPr lang="ru-RU" dirty="0"/>
+          </a:p>
+        </p:txBody>
+      </p:sp>
+      <p:sp>
+        <p:nvSpPr>
+          <p:cNvPr id="6" name="Номер слайда 5">
+            <a:extLst>
+              <a:ext uri="{FF2B5EF4-FFF2-40B4-BE49-F238E27FC236}">
+                <a16:creationId xmlns:a16="http://schemas.microsoft.com/office/drawing/2014/main" id="{9E55D3F5-B3E1-BC00-C52B-6B74ABAF853D}"/>
+              </a:ext>
+            </a:extLst>
+          </p:cNvPr>
+          <p:cNvSpPr>
+            <a:spLocks noGrp="1"/>
+          </p:cNvSpPr>
+          <p:nvPr>
+            <p:ph type="sldNum" sz="quarter" idx="4"/>
+          </p:nvPr>
+        </p:nvSpPr>
+        <p:spPr>
+          <a:xfrm>
+            <a:off x="8610600" y="6356350"/>
+            <a:ext cx="2743200" cy="365125"/>
+          </a:xfrm>
+          <a:prstGeom prst="rect">
+            <a:avLst/>
+          </a:prstGeom>
+        </p:spPr>
+        <p:txBody>
+          <a:bodyPr vert="horz" lIns="91440" tIns="45720" rIns="91440" bIns="45720" rtlCol="0" anchor="ctr"/>
+          <a:lstStyle>
+            <a:lvl1pPr algn="r">
+              <a:defRPr sz="1400" baseline="0">
+                <a:solidFill>
+                  <a:schemeClr val="bg1"/>
+                </a:solidFill>
+              </a:defRPr>
+            </a:lvl1pPr>
+          </a:lstStyle>
+          <a:p>
+            <a:fld id="{65178B5D-1FA4-8142-9A6F-7E75DC9B1E52}" type="slidenum">
+              <a:rPr lang="ru-RU" smtClean="0"/>
+              <a:pPr/>
+              <a:t>‹#›</a:t>
+            </a:fld>
+            <a:endParaRPr lang="ru-RU" dirty="0"/>
+          </a:p>
+        </p:txBody>
+      </p:sp>
+      <p:sp>
+        <p:nvSpPr>
+          <p:cNvPr id="9" name="Заголовок 8">
+            <a:extLst>
+              <a:ext uri="{FF2B5EF4-FFF2-40B4-BE49-F238E27FC236}">
+                <a16:creationId xmlns:a16="http://schemas.microsoft.com/office/drawing/2014/main" id="{FB2E9592-466B-2202-0E5B-250769B6DA17}"/>
+              </a:ext>
+            </a:extLst>
+          </p:cNvPr>
+          <p:cNvSpPr>
+            <a:spLocks noGrp="1"/>
+          </p:cNvSpPr>
+          <p:nvPr>
+            <p:ph type="title"/>
+          </p:nvPr>
+        </p:nvSpPr>
+        <p:spPr>
+          <a:xfrm>
+            <a:off x="838200" y="365125"/>
+            <a:ext cx="10515600" cy="1325563"/>
+          </a:xfrm>
+          <a:prstGeom prst="rect">
+            <a:avLst/>
+          </a:prstGeom>
+        </p:spPr>
+        <p:txBody>
+          <a:bodyPr vert="horz" lIns="91440" tIns="45720" rIns="91440" bIns="45720" rtlCol="0" anchor="ctr">
+            <a:normAutofit/>
+          </a:bodyPr>
+          <a:lstStyle/>
+          <a:p>
+            <a:r>
+              <a:rPr lang="ru-RU" dirty="0"/>
+              <a:t>Образец заголовка</a:t>
+            </a:r>
+          </a:p>
+        </p:txBody>
+      </p:sp>
+      <p:pic>
+        <p:nvPicPr>
+          <p:cNvPr id="7" name="Рисунок 6">
+            <a:extLst>
+              <a:ext uri="{FF2B5EF4-FFF2-40B4-BE49-F238E27FC236}">
+                <a16:creationId xmlns:a16="http://schemas.microsoft.com/office/drawing/2014/main" id="{3863888F-2EFB-4ECB-ACE2-83CD8DDE00F4}"/>
+              </a:ext>
+            </a:extLst>
+          </p:cNvPr>
+          <p:cNvPicPr>
+            <a:picLocks noChangeAspect="1"/>
+          </p:cNvPicPr>
+          <p:nvPr userDrawn="1"/>
+        </p:nvPicPr>
+        <p:blipFill>
+          <a:blip r:embed="rId9"/>
+          <a:stretch>
+            <a:fillRect/>
+          </a:stretch>
+        </p:blipFill>
+        <p:spPr>
+          <a:xfrm>
+            <a:off x="10691348" y="187628"/>
+            <a:ext cx="1431040" cy="437054"/>
+          </a:xfrm>
+          <a:prstGeom prst="rect">
+            <a:avLst/>
+          </a:prstGeom>
+        </p:spPr>
+      </p:pic>
+    </p:spTree>
+    <p:extLst>
+      <p:ext uri="{BB962C8B-B14F-4D97-AF65-F5344CB8AC3E}">
+        <p14:creationId xmlns:p14="http://schemas.microsoft.com/office/powerpoint/2010/main" val="1510760318"/>
+      </p:ext>
+    </p:extLst>
+  </p:cSld>
+  <p:clrMap bg1="lt1" tx1="dk1" bg2="lt2" tx2="dk2" accent1="accent1" accent2="accent2" accent3="accent3" accent4="accent4" accent5="accent5" accent6="accent6" hlink="hlink" folHlink="folHlink"/>
+  <p:sldLayoutIdLst>
+    <p:sldLayoutId id="2147483661" r:id="rId1"/>
+    <p:sldLayoutId id="2147483662" r:id="rId2"/>
+    <p:sldLayoutId id="2147483663" r:id="rId3"/>
+    <p:sldLayoutId id="2147483664" r:id="rId4"/>
+    <p:sldLayoutId id="2147483665" r:id="rId5"/>
+    <p:sldLayoutId id="2147483666" r:id="rId6"/>
+  </p:sldLayoutIdLst>
+  <p:hf hdr="0" ftr="0" dt="0"/>
+  <p:txStyles>
+    <p:titleStyle>
+      <a:lvl1pPr algn="l" defTabSz="914400" rtl="0" eaLnBrk="1" latinLnBrk="0" hangingPunct="1">
+        <a:lnSpc>
+          <a:spcPct val="90000"/>
+        </a:lnSpc>
+        <a:spcBef>
+          <a:spcPct val="0"/>
+        </a:spcBef>
+        <a:buNone/>
+        <a:defRPr sz="4400" kern="1200" baseline="0">
+          <a:solidFill>
+            <a:schemeClr val="bg1"/>
+          </a:solidFill>
+          <a:latin typeface="+mj-lt"/>
+          <a:ea typeface="+mj-ea"/>
+          <a:cs typeface="+mj-cs"/>
+        </a:defRPr>
+      </a:lvl1pPr>
+    </p:titleStyle>
+    <p:bodyStyle>
+      <a:lvl1pPr marL="228600" indent="-228600" algn="l" defTabSz="914400" rtl="0" eaLnBrk="1" latinLnBrk="0" hangingPunct="1">
+        <a:lnSpc>
+          <a:spcPct val="90000"/>
+        </a:lnSpc>
+        <a:spcBef>
+          <a:spcPts val="1000"/>
+        </a:spcBef>
+        <a:buFont typeface="Arial" panose="020B0604020202020204" pitchFamily="34" charset="0"/>
+        <a:buChar char="•"/>
+        <a:defRPr sz="2800" kern="1200" baseline="0">
+          <a:solidFill>
+            <a:schemeClr val="bg1"/>
+          </a:solidFill>
+          <a:latin typeface="+mn-lt"/>
+          <a:ea typeface="+mn-ea"/>
+          <a:cs typeface="+mn-cs"/>
+        </a:defRPr>
+      </a:lvl1pPr>
+      <a:lvl2pPr marL="685800" indent="-228600" algn="l" defTabSz="914400" rtl="0" eaLnBrk="1" latinLnBrk="0" hangingPunct="1">
+        <a:lnSpc>
+          <a:spcPct val="90000"/>
+        </a:lnSpc>
+        <a:spcBef>
+          <a:spcPts val="500"/>
+        </a:spcBef>
+        <a:buFont typeface="Arial" panose="020B0604020202020204" pitchFamily="34" charset="0"/>
+        <a:buChar char="•"/>
+        <a:defRPr sz="2400" kern="1200" baseline="0">
+          <a:solidFill>
+            <a:schemeClr val="bg1"/>
+          </a:solidFill>
+          <a:latin typeface="+mn-lt"/>
+          <a:ea typeface="+mn-ea"/>
+          <a:cs typeface="+mn-cs"/>
+        </a:defRPr>
+      </a:lvl2pPr>
+      <a:lvl3pPr marL="1143000" indent="-228600" algn="l" defTabSz="914400" rtl="0" eaLnBrk="1" latinLnBrk="0" hangingPunct="1">
+        <a:lnSpc>
+          <a:spcPct val="90000"/>
+        </a:lnSpc>
+        <a:spcBef>
+          <a:spcPts val="500"/>
+        </a:spcBef>
+        <a:buFont typeface="Arial" panose="020B0604020202020204" pitchFamily="34" charset="0"/>
+        <a:buChar char="•"/>
+        <a:defRPr sz="2000" kern="1200" baseline="0">
+          <a:solidFill>
+            <a:schemeClr val="bg1"/>
+          </a:solidFill>
+          <a:latin typeface="+mn-lt"/>
+          <a:ea typeface="+mn-ea"/>
+          <a:cs typeface="+mn-cs"/>
+        </a:defRPr>
+      </a:lvl3pPr>
+      <a:lvl4pPr marL="1600200" indent="-228600" algn="l" defTabSz="914400" rtl="0" eaLnBrk="1" latinLnBrk="0" hangingPunct="1">
+        <a:lnSpc>
+          <a:spcPct val="90000"/>
+        </a:lnSpc>
+        <a:spcBef>
+          <a:spcPts val="500"/>
+        </a:spcBef>
+        <a:buFont typeface="Arial" panose="020B0604020202020204" pitchFamily="34" charset="0"/>
+        <a:buChar char="•"/>
+        <a:defRPr sz="1800" kern="1200" baseline="0">
+          <a:solidFill>
+            <a:schemeClr val="bg1"/>
+          </a:solidFill>
+          <a:latin typeface="+mn-lt"/>
+          <a:ea typeface="+mn-ea"/>
+          <a:cs typeface="+mn-cs"/>
+        </a:defRPr>
+      </a:lvl4pPr>
+      <a:lvl5pPr marL="2057400" indent="-228600" algn="l" defTabSz="914400" rtl="0" eaLnBrk="1" latinLnBrk="0" hangingPunct="1">
+        <a:lnSpc>
+          <a:spcPct val="90000"/>
+        </a:lnSpc>
+        <a:spcBef>
+          <a:spcPts val="500"/>
+        </a:spcBef>
+        <a:buFont typeface="Arial" panose="020B0604020202020204" pitchFamily="34" charset="0"/>
+        <a:buChar char="•"/>
+        <a:defRPr sz="1800" kern="1200" baseline="0">
+          <a:solidFill>
+            <a:schemeClr val="bg1"/>
+          </a:solidFill>
+          <a:latin typeface="+mn-lt"/>
+          <a:ea typeface="+mn-ea"/>
+          <a:cs typeface="+mn-cs"/>
+        </a:defRPr>
+      </a:lvl5pPr>
+      <a:lvl6pPr marL="2514600" indent="-228600" algn="l" defTabSz="914400" rtl="0" eaLnBrk="1" latinLnBrk="0" hangingPunct="1">
+        <a:lnSpc>
+          <a:spcPct val="90000"/>
+        </a:lnSpc>
+        <a:spcBef>
+          <a:spcPts val="500"/>
+        </a:spcBef>
+        <a:buFont typeface="Arial" panose="020B0604020202020204" pitchFamily="34" charset="0"/>
+        <a:buChar char="•"/>
+        <a:defRPr sz="1800" kern="1200">
+          <a:solidFill>
+            <a:schemeClr val="tx1"/>
+          </a:solidFill>
+          <a:latin typeface="+mn-lt"/>
+          <a:ea typeface="+mn-ea"/>
+          <a:cs typeface="+mn-cs"/>
+        </a:defRPr>
+      </a:lvl6pPr>
+      <a:lvl7pPr marL="2971800" indent="-228600" algn="l" defTabSz="914400" rtl="0" eaLnBrk="1" latinLnBrk="0" hangingPunct="1">
+        <a:lnSpc>
+          <a:spcPct val="90000"/>
+        </a:lnSpc>
+        <a:spcBef>
+          <a:spcPts val="500"/>
+        </a:spcBef>
+        <a:buFont typeface="Arial" panose="020B0604020202020204" pitchFamily="34" charset="0"/>
+        <a:buChar char="•"/>
+        <a:defRPr sz="1800" kern="1200">
+          <a:solidFill>
+            <a:schemeClr val="tx1"/>
+          </a:solidFill>
+          <a:latin typeface="+mn-lt"/>
+          <a:ea typeface="+mn-ea"/>
+          <a:cs typeface="+mn-cs"/>
+        </a:defRPr>
+      </a:lvl7pPr>
+      <a:lvl8pPr marL="3429000" indent="-228600" algn="l" defTabSz="914400" rtl="0" eaLnBrk="1" latinLnBrk="0" hangingPunct="1">
+        <a:lnSpc>
+          <a:spcPct val="90000"/>
+        </a:lnSpc>
+        <a:spcBef>
+          <a:spcPts val="500"/>
+        </a:spcBef>
+        <a:buFont typeface="Arial" panose="020B0604020202020204" pitchFamily="34" charset="0"/>
+        <a:buChar char="•"/>
+        <a:defRPr sz="1800" kern="1200">
+          <a:solidFill>
+            <a:schemeClr val="tx1"/>
+          </a:solidFill>
+          <a:latin typeface="+mn-lt"/>
+          <a:ea typeface="+mn-ea"/>
+          <a:cs typeface="+mn-cs"/>
+        </a:defRPr>
+      </a:lvl8pPr>
+      <a:lvl9pPr marL="3886200" indent="-228600" algn="l" defTabSz="914400" rtl="0" eaLnBrk="1" latinLnBrk="0" hangingPunct="1">
+        <a:lnSpc>
+          <a:spcPct val="90000"/>
+        </a:lnSpc>
+        <a:spcBef>
+          <a:spcPts val="500"/>
+        </a:spcBef>
+        <a:buFont typeface="Arial" panose="020B0604020202020204" pitchFamily="34" charset="0"/>
+        <a:buChar char="•"/>
+        <a:defRPr sz="1800" kern="1200">
+          <a:solidFill>
+            <a:schemeClr val="tx1"/>
+          </a:solidFill>
+          <a:latin typeface="+mn-lt"/>
+          <a:ea typeface="+mn-ea"/>
+          <a:cs typeface="+mn-cs"/>
+        </a:defRPr>
+      </a:lvl9pPr>
+    </p:bodyStyle>
+    <p:otherStyle>
+      <a:defPPr>
+        <a:defRPr lang="ru-RU"/>
+      </a:defPPr>
+      <a:lvl1pPr marL="0" algn="l" defTabSz="914400" rtl="0" eaLnBrk="1" latinLnBrk="0" hangingPunct="1">
+        <a:defRPr sz="1800" kern="1200">
+          <a:solidFill>
+            <a:schemeClr val="tx1"/>
+          </a:solidFill>
+          <a:latin typeface="+mn-lt"/>
+          <a:ea typeface="+mn-ea"/>
+          <a:cs typeface="+mn-cs"/>
+        </a:defRPr>
+      </a:lvl1pPr>
+      <a:lvl2pPr marL="457200" algn="l" defTabSz="914400" rtl="0" eaLnBrk="1" latinLnBrk="0" hangingPunct="1">
+        <a:defRPr sz="1800" kern="1200">
+          <a:solidFill>
+            <a:schemeClr val="tx1"/>
+          </a:solidFill>
+          <a:latin typeface="+mn-lt"/>
+          <a:ea typeface="+mn-ea"/>
+          <a:cs typeface="+mn-cs"/>
+        </a:defRPr>
+      </a:lvl2pPr>
+      <a:lvl3pPr marL="914400" algn="l" defTabSz="914400" rtl="0" eaLnBrk="1" latinLnBrk="0" hangingPunct="1">
+        <a:defRPr sz="1800" kern="1200">
+          <a:solidFill>
+            <a:schemeClr val="tx1"/>
+          </a:solidFill>
+          <a:latin typeface="+mn-lt"/>
+          <a:ea typeface="+mn-ea"/>
+          <a:cs typeface="+mn-cs"/>
+        </a:defRPr>
+      </a:lvl3pPr>
+      <a:lvl4pPr marL="1371600" algn="l" defTabSz="914400" rtl="0" eaLnBrk="1" latinLnBrk="0" hangingPunct="1">
+        <a:defRPr sz="1800" kern="1200">
+          <a:solidFill>
+            <a:schemeClr val="tx1"/>
+          </a:solidFill>
+          <a:latin typeface="+mn-lt"/>
+          <a:ea typeface="+mn-ea"/>
+          <a:cs typeface="+mn-cs"/>
+        </a:defRPr>
+      </a:lvl4pPr>
+      <a:lvl5pPr marL="1828800" algn="l" defTabSz="914400" rtl="0" eaLnBrk="1" latinLnBrk="0" hangingPunct="1">
+        <a:defRPr sz="1800" kern="1200">
+          <a:solidFill>
+            <a:schemeClr val="tx1"/>
+          </a:solidFill>
+          <a:latin typeface="+mn-lt"/>
+          <a:ea typeface="+mn-ea"/>
+          <a:cs typeface="+mn-cs"/>
+        </a:defRPr>
+      </a:lvl5pPr>
+      <a:lvl6pPr marL="2286000" algn="l" defTabSz="914400" rtl="0" eaLnBrk="1" latinLnBrk="0" hangingPunct="1">
+        <a:defRPr sz="1800" kern="1200">
+          <a:solidFill>
+            <a:schemeClr val="tx1"/>
+          </a:solidFill>
+          <a:latin typeface="+mn-lt"/>
+          <a:ea typeface="+mn-ea"/>
+          <a:cs typeface="+mn-cs"/>
+        </a:defRPr>
+      </a:lvl6pPr>
+      <a:lvl7pPr marL="2743200" algn="l" defTabSz="914400" rtl="0" eaLnBrk="1" latinLnBrk="0" hangingPunct="1">
+        <a:defRPr sz="1800" kern="1200">
+          <a:solidFill>
+            <a:schemeClr val="tx1"/>
+          </a:solidFill>
+          <a:latin typeface="+mn-lt"/>
+          <a:ea typeface="+mn-ea"/>
+          <a:cs typeface="+mn-cs"/>
+        </a:defRPr>
+      </a:lvl7pPr>
+      <a:lvl8pPr marL="3200400" algn="l" defTabSz="914400" rtl="0" eaLnBrk="1" latinLnBrk="0" hangingPunct="1">
+        <a:defRPr sz="1800" kern="1200">
+          <a:solidFill>
+            <a:schemeClr val="tx1"/>
+          </a:solidFill>
+          <a:latin typeface="+mn-lt"/>
+          <a:ea typeface="+mn-ea"/>
+          <a:cs typeface="+mn-cs"/>
+        </a:defRPr>
+      </a:lvl8pPr>
+      <a:lvl9pPr marL="3657600" algn="l" defTabSz="914400" rtl="0" eaLnBrk="1" latinLnBrk="0" hangingPunct="1">
+        <a:defRPr sz="1800" kern="1200">
+          <a:solidFill>
+            <a:schemeClr val="tx1"/>
+          </a:solidFill>
+          <a:latin typeface="+mn-lt"/>
+          <a:ea typeface="+mn-ea"/>
+          <a:cs typeface="+mn-cs"/>
+        </a:defRPr>
+      </a:lvl9pPr>
+    </p:otherStyle>
+  </p:txStyles>
+</p:sldMaster>
+</file>
+
+<file path=ppt/slideMasters/slideMaster3.xml><?xml version="1.0" encoding="utf-8"?>
+<p:sldMaster xmlns:a="http://schemas.openxmlformats.org/drawingml/2006/main" xmlns:r="http://schemas.openxmlformats.org/officeDocument/2006/relationships" xmlns:p="http://schemas.openxmlformats.org/presentationml/2006/main" preserve="1">
+  <p:cSld>
+    <p:bg>
+      <p:bgPr>
+        <a:solidFill>
+          <a:srgbClr val="02BBB5"/>
+        </a:solidFill>
+        <a:effectLst/>
+      </p:bgPr>
+    </p:bg>
+    <p:spTree>
+      <p:nvGrpSpPr>
+        <p:cNvPr id="1" name=""/>
+        <p:cNvGrpSpPr/>
+        <p:nvPr/>
+      </p:nvGrpSpPr>
+      <p:grpSpPr>
+        <a:xfrm>
+          <a:off x="0" y="0"/>
+          <a:ext cx="0" cy="0"/>
+          <a:chOff x="0" y="0"/>
+          <a:chExt cx="0" cy="0"/>
+        </a:xfrm>
+      </p:grpSpPr>
+      <p:sp>
+        <p:nvSpPr>
+          <p:cNvPr id="3" name="Текст 2">
+            <a:extLst>
+              <a:ext uri="{FF2B5EF4-FFF2-40B4-BE49-F238E27FC236}">
+                <a16:creationId xmlns:a16="http://schemas.microsoft.com/office/drawing/2014/main" id="{569F0652-E8A3-4241-B039-613D074252DA}"/>
+              </a:ext>
+            </a:extLst>
+          </p:cNvPr>
+          <p:cNvSpPr>
+            <a:spLocks noGrp="1"/>
+          </p:cNvSpPr>
+          <p:nvPr>
+            <p:ph type="body" idx="1"/>
+          </p:nvPr>
+        </p:nvSpPr>
+        <p:spPr>
+          <a:xfrm>
+            <a:off x="838200" y="1825625"/>
+            <a:ext cx="10515600" cy="4351338"/>
+          </a:xfrm>
+          <a:prstGeom prst="rect">
+            <a:avLst/>
+          </a:prstGeom>
+        </p:spPr>
+        <p:txBody>
+          <a:bodyPr vert="horz" lIns="91440" tIns="45720" rIns="91440" bIns="45720" rtlCol="0">
+            <a:normAutofit/>
+          </a:bodyPr>
+          <a:lstStyle/>
+          <a:p>
+            <a:pPr lvl="0"/>
+            <a:r>
+              <a:rPr lang="ru-RU" dirty="0"/>
+              <a:t>Образец текста</a:t>
+            </a:r>
+          </a:p>
+          <a:p>
+            <a:pPr lvl="1"/>
+            <a:r>
+              <a:rPr lang="ru-RU" dirty="0"/>
+              <a:t>Второй уровень</a:t>
+            </a:r>
+          </a:p>
+          <a:p>
+            <a:pPr lvl="2"/>
+            <a:r>
+              <a:rPr lang="ru-RU" dirty="0"/>
+              <a:t>Третий уровень</a:t>
+            </a:r>
+          </a:p>
+          <a:p>
+            <a:pPr lvl="3"/>
+            <a:r>
+              <a:rPr lang="ru-RU" dirty="0"/>
+              <a:t>Четвертый уровень</a:t>
+            </a:r>
+          </a:p>
+          <a:p>
+            <a:pPr lvl="4"/>
+            <a:r>
+              <a:rPr lang="ru-RU" dirty="0"/>
+              <a:t>Пятый уровень</a:t>
+            </a:r>
+          </a:p>
+        </p:txBody>
+      </p:sp>
+      <p:sp>
+        <p:nvSpPr>
+          <p:cNvPr id="4" name="Дата 3">
+            <a:extLst>
+              <a:ext uri="{FF2B5EF4-FFF2-40B4-BE49-F238E27FC236}">
+                <a16:creationId xmlns:a16="http://schemas.microsoft.com/office/drawing/2014/main" id="{5A84A6D3-5F3E-07AA-354B-F2DCBF05654F}"/>
+              </a:ext>
+            </a:extLst>
+          </p:cNvPr>
+          <p:cNvSpPr>
+            <a:spLocks noGrp="1"/>
+          </p:cNvSpPr>
+          <p:nvPr>
+            <p:ph type="dt" sz="half" idx="2"/>
+          </p:nvPr>
+        </p:nvSpPr>
+        <p:spPr>
+          <a:xfrm>
+            <a:off x="838200" y="6356350"/>
+            <a:ext cx="2743200" cy="365125"/>
+          </a:xfrm>
+          <a:prstGeom prst="rect">
+            <a:avLst/>
+          </a:prstGeom>
+        </p:spPr>
+        <p:txBody>
+          <a:bodyPr vert="horz" lIns="91440" tIns="45720" rIns="91440" bIns="45720" rtlCol="0" anchor="ctr"/>
+          <a:lstStyle>
+            <a:lvl1pPr algn="l">
+              <a:defRPr sz="1200">
+                <a:solidFill>
+                  <a:schemeClr val="tx1">
+                    <a:tint val="75000"/>
+                  </a:schemeClr>
+                </a:solidFill>
+              </a:defRPr>
+            </a:lvl1pPr>
+          </a:lstStyle>
+          <a:p>
+            <a:fld id="{363305CF-C647-484A-9636-603C7D856A71}" type="datetime1">
+              <a:rPr lang="ru-RU" smtClean="0"/>
+              <a:t>13.06.2023</a:t>
+            </a:fld>
+            <a:endParaRPr lang="ru-RU"/>
+          </a:p>
+        </p:txBody>
+      </p:sp>
+      <p:sp>
+        <p:nvSpPr>
+          <p:cNvPr id="5" name="Нижний колонтитул 4">
+            <a:extLst>
+              <a:ext uri="{FF2B5EF4-FFF2-40B4-BE49-F238E27FC236}">
+                <a16:creationId xmlns:a16="http://schemas.microsoft.com/office/drawing/2014/main" id="{EAABF342-05B3-8ABF-0F9C-C1D970A9FC38}"/>
+              </a:ext>
+            </a:extLst>
+          </p:cNvPr>
+          <p:cNvSpPr>
+            <a:spLocks noGrp="1"/>
+          </p:cNvSpPr>
+          <p:nvPr>
+            <p:ph type="ftr" sz="quarter" idx="3"/>
+          </p:nvPr>
+        </p:nvSpPr>
+        <p:spPr>
+          <a:xfrm>
+            <a:off x="4038600" y="6356350"/>
+            <a:ext cx="4114800" cy="365125"/>
+          </a:xfrm>
+          <a:prstGeom prst="rect">
+            <a:avLst/>
+          </a:prstGeom>
+        </p:spPr>
+        <p:txBody>
+          <a:bodyPr vert="horz" lIns="91440" tIns="45720" rIns="91440" bIns="45720" rtlCol="0" anchor="ctr"/>
+          <a:lstStyle>
+            <a:lvl1pPr algn="ctr">
+              <a:defRPr sz="1200">
+                <a:solidFill>
+                  <a:schemeClr val="tx1">
+                    <a:tint val="75000"/>
+                  </a:schemeClr>
+                </a:solidFill>
+              </a:defRPr>
+            </a:lvl1pPr>
+          </a:lstStyle>
+          <a:p>
+            <a:endParaRPr lang="ru-RU"/>
+          </a:p>
+        </p:txBody>
+      </p:sp>
+      <p:sp>
+        <p:nvSpPr>
+          <p:cNvPr id="6" name="Номер слайда 5">
+            <a:extLst>
+              <a:ext uri="{FF2B5EF4-FFF2-40B4-BE49-F238E27FC236}">
+                <a16:creationId xmlns:a16="http://schemas.microsoft.com/office/drawing/2014/main" id="{9E55D3F5-B3E1-BC00-C52B-6B74ABAF853D}"/>
+              </a:ext>
+            </a:extLst>
+          </p:cNvPr>
+          <p:cNvSpPr>
+            <a:spLocks noGrp="1"/>
+          </p:cNvSpPr>
+          <p:nvPr>
+            <p:ph type="sldNum" sz="quarter" idx="4"/>
+          </p:nvPr>
+        </p:nvSpPr>
+        <p:spPr>
+          <a:xfrm>
+            <a:off x="8610600" y="6356350"/>
+            <a:ext cx="2743200" cy="365125"/>
+          </a:xfrm>
+          <a:prstGeom prst="rect">
+            <a:avLst/>
+          </a:prstGeom>
+        </p:spPr>
+        <p:txBody>
+          <a:bodyPr vert="horz" lIns="91440" tIns="45720" rIns="91440" bIns="45720" rtlCol="0" anchor="ctr"/>
+          <a:lstStyle>
+            <a:lvl1pPr algn="r">
+              <a:defRPr sz="1400" baseline="0">
+                <a:solidFill>
+                  <a:srgbClr val="02BBB5"/>
+                </a:solidFill>
+              </a:defRPr>
+            </a:lvl1pPr>
+          </a:lstStyle>
+          <a:p>
+            <a:fld id="{65178B5D-1FA4-8142-9A6F-7E75DC9B1E52}" type="slidenum">
+              <a:rPr lang="ru-RU" smtClean="0"/>
+              <a:pPr/>
+              <a:t>‹#›</a:t>
+            </a:fld>
+            <a:endParaRPr lang="ru-RU" dirty="0"/>
+          </a:p>
+        </p:txBody>
+      </p:sp>
+      <p:sp>
+        <p:nvSpPr>
+          <p:cNvPr id="9" name="Заголовок 8">
+            <a:extLst>
+              <a:ext uri="{FF2B5EF4-FFF2-40B4-BE49-F238E27FC236}">
+                <a16:creationId xmlns:a16="http://schemas.microsoft.com/office/drawing/2014/main" id="{FB2E9592-466B-2202-0E5B-250769B6DA17}"/>
+              </a:ext>
+            </a:extLst>
+          </p:cNvPr>
+          <p:cNvSpPr>
+            <a:spLocks noGrp="1"/>
+          </p:cNvSpPr>
+          <p:nvPr>
+            <p:ph type="title"/>
+          </p:nvPr>
+        </p:nvSpPr>
+        <p:spPr>
+          <a:xfrm>
+            <a:off x="838200" y="365125"/>
+            <a:ext cx="10515600" cy="1325563"/>
+          </a:xfrm>
+          <a:prstGeom prst="rect">
+            <a:avLst/>
+          </a:prstGeom>
+        </p:spPr>
+        <p:txBody>
+          <a:bodyPr vert="horz" lIns="91440" tIns="45720" rIns="91440" bIns="45720" rtlCol="0" anchor="ctr">
+            <a:normAutofit/>
+          </a:bodyPr>
+          <a:lstStyle/>
+          <a:p>
+            <a:r>
+              <a:rPr lang="ru-RU" dirty="0"/>
+              <a:t>Образец заголовка</a:t>
+            </a:r>
+          </a:p>
+        </p:txBody>
+      </p:sp>
+    </p:spTree>
+    <p:extLst>
+      <p:ext uri="{BB962C8B-B14F-4D97-AF65-F5344CB8AC3E}">
+        <p14:creationId xmlns:p14="http://schemas.microsoft.com/office/powerpoint/2010/main" val="3550210043"/>
+      </p:ext>
+    </p:extLst>
+  </p:cSld>
+  <p:clrMap bg1="lt1" tx1="dk1" bg2="lt2" tx2="dk2" accent1="accent1" accent2="accent2" accent3="accent3" accent4="accent4" accent5="accent5" accent6="accent6" hlink="hlink" folHlink="folHlink"/>
+  <p:sldLayoutIdLst>
+    <p:sldLayoutId id="2147483673" r:id="rId1"/>
+  </p:sldLayoutIdLst>
+  <p:hf hdr="0" ftr="0" dt="0"/>
+  <p:txStyles>
+    <p:titleStyle>
+      <a:lvl1pPr algn="l" defTabSz="914400" rtl="0" eaLnBrk="1" latinLnBrk="0" hangingPunct="1">
+        <a:lnSpc>
+          <a:spcPct val="90000"/>
+        </a:lnSpc>
+        <a:spcBef>
+          <a:spcPct val="0"/>
+        </a:spcBef>
+        <a:buNone/>
+        <a:defRPr sz="4400" kern="1200" baseline="0">
+          <a:solidFill>
+            <a:schemeClr val="bg1"/>
+          </a:solidFill>
+          <a:latin typeface="+mj-lt"/>
+          <a:ea typeface="+mj-ea"/>
+          <a:cs typeface="+mj-cs"/>
+        </a:defRPr>
+      </a:lvl1pPr>
+    </p:titleStyle>
+    <p:bodyStyle>
+      <a:lvl1pPr marL="228600" indent="-228600" algn="l" defTabSz="914400" rtl="0" eaLnBrk="1" latinLnBrk="0" hangingPunct="1">
+        <a:lnSpc>
+          <a:spcPct val="90000"/>
+        </a:lnSpc>
+        <a:spcBef>
+          <a:spcPts val="1000"/>
+        </a:spcBef>
+        <a:buFont typeface="Arial" panose="020B0604020202020204" pitchFamily="34" charset="0"/>
+        <a:buChar char="•"/>
+        <a:defRPr sz="2800" kern="1200" baseline="0">
+          <a:solidFill>
+            <a:schemeClr val="bg1"/>
+          </a:solidFill>
+          <a:latin typeface="+mn-lt"/>
+          <a:ea typeface="+mn-ea"/>
+          <a:cs typeface="+mn-cs"/>
+        </a:defRPr>
+      </a:lvl1pPr>
+      <a:lvl2pPr marL="685800" indent="-228600" algn="l" defTabSz="914400" rtl="0" eaLnBrk="1" latinLnBrk="0" hangingPunct="1">
+        <a:lnSpc>
+          <a:spcPct val="90000"/>
+        </a:lnSpc>
+        <a:spcBef>
+          <a:spcPts val="500"/>
+        </a:spcBef>
+        <a:buFont typeface="Arial" panose="020B0604020202020204" pitchFamily="34" charset="0"/>
+        <a:buChar char="•"/>
+        <a:defRPr sz="2400" kern="1200" baseline="0">
+          <a:solidFill>
+            <a:schemeClr val="bg1"/>
+          </a:solidFill>
+          <a:latin typeface="+mn-lt"/>
+          <a:ea typeface="+mn-ea"/>
+          <a:cs typeface="+mn-cs"/>
+        </a:defRPr>
+      </a:lvl2pPr>
+      <a:lvl3pPr marL="1143000" indent="-228600" algn="l" defTabSz="914400" rtl="0" eaLnBrk="1" latinLnBrk="0" hangingPunct="1">
+        <a:lnSpc>
+          <a:spcPct val="90000"/>
+        </a:lnSpc>
+        <a:spcBef>
+          <a:spcPts val="500"/>
+        </a:spcBef>
+        <a:buFont typeface="Arial" panose="020B0604020202020204" pitchFamily="34" charset="0"/>
+        <a:buChar char="•"/>
+        <a:defRPr sz="2000" kern="1200" baseline="0">
+          <a:solidFill>
+            <a:schemeClr val="bg1"/>
+          </a:solidFill>
+          <a:latin typeface="+mn-lt"/>
+          <a:ea typeface="+mn-ea"/>
+          <a:cs typeface="+mn-cs"/>
+        </a:defRPr>
+      </a:lvl3pPr>
+      <a:lvl4pPr marL="1600200" indent="-228600" algn="l" defTabSz="914400" rtl="0" eaLnBrk="1" latinLnBrk="0" hangingPunct="1">
+        <a:lnSpc>
+          <a:spcPct val="90000"/>
+        </a:lnSpc>
+        <a:spcBef>
+          <a:spcPts val="500"/>
+        </a:spcBef>
+        <a:buFont typeface="Arial" panose="020B0604020202020204" pitchFamily="34" charset="0"/>
+        <a:buChar char="•"/>
+        <a:defRPr sz="1800" kern="1200" baseline="0">
+          <a:solidFill>
+            <a:schemeClr val="bg1"/>
+          </a:solidFill>
+          <a:latin typeface="+mn-lt"/>
+          <a:ea typeface="+mn-ea"/>
+          <a:cs typeface="+mn-cs"/>
+        </a:defRPr>
+      </a:lvl4pPr>
+      <a:lvl5pPr marL="2057400" indent="-228600" algn="l" defTabSz="914400" rtl="0" eaLnBrk="1" latinLnBrk="0" hangingPunct="1">
+        <a:lnSpc>
+          <a:spcPct val="90000"/>
+        </a:lnSpc>
+        <a:spcBef>
+          <a:spcPts val="500"/>
+        </a:spcBef>
+        <a:buFont typeface="Arial" panose="020B0604020202020204" pitchFamily="34" charset="0"/>
+        <a:buChar char="•"/>
+        <a:defRPr sz="1800" kern="1200" baseline="0">
+          <a:solidFill>
+            <a:schemeClr val="bg1"/>
+          </a:solidFill>
+          <a:latin typeface="+mn-lt"/>
+          <a:ea typeface="+mn-ea"/>
+          <a:cs typeface="+mn-cs"/>
+        </a:defRPr>
+      </a:lvl5pPr>
+      <a:lvl6pPr marL="2514600" indent="-228600" algn="l" defTabSz="914400" rtl="0" eaLnBrk="1" latinLnBrk="0" hangingPunct="1">
+        <a:lnSpc>
+          <a:spcPct val="90000"/>
+        </a:lnSpc>
+        <a:spcBef>
+          <a:spcPts val="500"/>
+        </a:spcBef>
+        <a:buFont typeface="Arial" panose="020B0604020202020204" pitchFamily="34" charset="0"/>
+        <a:buChar char="•"/>
+        <a:defRPr sz="1800" kern="1200">
+          <a:solidFill>
+            <a:schemeClr val="tx1"/>
+          </a:solidFill>
+          <a:latin typeface="+mn-lt"/>
+          <a:ea typeface="+mn-ea"/>
+          <a:cs typeface="+mn-cs"/>
+        </a:defRPr>
+      </a:lvl6pPr>
+      <a:lvl7pPr marL="2971800" indent="-228600" algn="l" defTabSz="914400" rtl="0" eaLnBrk="1" latinLnBrk="0" hangingPunct="1">
+        <a:lnSpc>
+          <a:spcPct val="90000"/>
+        </a:lnSpc>
+        <a:spcBef>
+          <a:spcPts val="500"/>
+        </a:spcBef>
+        <a:buFont typeface="Arial" panose="020B0604020202020204" pitchFamily="34" charset="0"/>
+        <a:buChar char="•"/>
+        <a:defRPr sz="1800" kern="1200">
+          <a:solidFill>
+            <a:schemeClr val="tx1"/>
+          </a:solidFill>
+          <a:latin typeface="+mn-lt"/>
+          <a:ea typeface="+mn-ea"/>
+          <a:cs typeface="+mn-cs"/>
+        </a:defRPr>
+      </a:lvl7pPr>
+      <a:lvl8pPr marL="3429000" indent="-228600" algn="l" defTabSz="914400" rtl="0" eaLnBrk="1" latinLnBrk="0" hangingPunct="1">
+        <a:lnSpc>
+          <a:spcPct val="90000"/>
+        </a:lnSpc>
+        <a:spcBef>
+          <a:spcPts val="500"/>
+        </a:spcBef>
+        <a:buFont typeface="Arial" panose="020B0604020202020204" pitchFamily="34" charset="0"/>
+        <a:buChar char="•"/>
+        <a:defRPr sz="1800" kern="1200">
+          <a:solidFill>
+            <a:schemeClr val="tx1"/>
+          </a:solidFill>
+          <a:latin typeface="+mn-lt"/>
+          <a:ea typeface="+mn-ea"/>
+          <a:cs typeface="+mn-cs"/>
+        </a:defRPr>
+      </a:lvl8pPr>
+      <a:lvl9pPr marL="3886200" indent="-228600" algn="l" defTabSz="914400" rtl="0" eaLnBrk="1" latinLnBrk="0" hangingPunct="1">
+        <a:lnSpc>
+          <a:spcPct val="90000"/>
+        </a:lnSpc>
+        <a:spcBef>
+          <a:spcPts val="500"/>
+        </a:spcBef>
+        <a:buFont typeface="Arial" panose="020B0604020202020204" pitchFamily="34" charset="0"/>
+        <a:buChar char="•"/>
+        <a:defRPr sz="1800" kern="1200">
+          <a:solidFill>
+            <a:schemeClr val="tx1"/>
+          </a:solidFill>
+          <a:latin typeface="+mn-lt"/>
+          <a:ea typeface="+mn-ea"/>
+          <a:cs typeface="+mn-cs"/>
+        </a:defRPr>
+      </a:lvl9pPr>
+    </p:bodyStyle>
+    <p:otherStyle>
+      <a:defPPr>
+        <a:defRPr lang="ru-RU"/>
+      </a:defPPr>
+      <a:lvl1pPr marL="0" algn="l" defTabSz="914400" rtl="0" eaLnBrk="1" latinLnBrk="0" hangingPunct="1">
+        <a:defRPr sz="1800" kern="1200">
+          <a:solidFill>
+            <a:schemeClr val="tx1"/>
+          </a:solidFill>
+          <a:latin typeface="+mn-lt"/>
+          <a:ea typeface="+mn-ea"/>
+          <a:cs typeface="+mn-cs"/>
+        </a:defRPr>
+      </a:lvl1pPr>
+      <a:lvl2pPr marL="457200" algn="l" defTabSz="914400" rtl="0" eaLnBrk="1" latinLnBrk="0" hangingPunct="1">
+        <a:defRPr sz="1800" kern="1200">
+          <a:solidFill>
+            <a:schemeClr val="tx1"/>
+          </a:solidFill>
+          <a:latin typeface="+mn-lt"/>
+          <a:ea typeface="+mn-ea"/>
+          <a:cs typeface="+mn-cs"/>
+        </a:defRPr>
+      </a:lvl2pPr>
+      <a:lvl3pPr marL="914400" algn="l" defTabSz="914400" rtl="0" eaLnBrk="1" latinLnBrk="0" hangingPunct="1">
+        <a:defRPr sz="1800" kern="1200">
+          <a:solidFill>
+            <a:schemeClr val="tx1"/>
+          </a:solidFill>
+          <a:latin typeface="+mn-lt"/>
+          <a:ea typeface="+mn-ea"/>
+          <a:cs typeface="+mn-cs"/>
+        </a:defRPr>
+      </a:lvl3pPr>
+      <a:lvl4pPr marL="1371600" algn="l" defTabSz="914400" rtl="0" eaLnBrk="1" latinLnBrk="0" hangingPunct="1">
+        <a:defRPr sz="1800" kern="1200">
+          <a:solidFill>
+            <a:schemeClr val="tx1"/>
+          </a:solidFill>
+          <a:latin typeface="+mn-lt"/>
+          <a:ea typeface="+mn-ea"/>
+          <a:cs typeface="+mn-cs"/>
+        </a:defRPr>
+      </a:lvl4pPr>
+      <a:lvl5pPr marL="1828800" algn="l" defTabSz="914400" rtl="0" eaLnBrk="1" latinLnBrk="0" hangingPunct="1">
+        <a:defRPr sz="1800" kern="1200">
+          <a:solidFill>
+            <a:schemeClr val="tx1"/>
+          </a:solidFill>
+          <a:latin typeface="+mn-lt"/>
+          <a:ea typeface="+mn-ea"/>
+          <a:cs typeface="+mn-cs"/>
+        </a:defRPr>
+      </a:lvl5pPr>
+      <a:lvl6pPr marL="2286000" algn="l" defTabSz="914400" rtl="0" eaLnBrk="1" latinLnBrk="0" hangingPunct="1">
+        <a:defRPr sz="1800" kern="1200">
+          <a:solidFill>
+            <a:schemeClr val="tx1"/>
+          </a:solidFill>
+          <a:latin typeface="+mn-lt"/>
+          <a:ea typeface="+mn-ea"/>
+          <a:cs typeface="+mn-cs"/>
+        </a:defRPr>
+      </a:lvl6pPr>
+      <a:lvl7pPr marL="2743200" algn="l" defTabSz="914400" rtl="0" eaLnBrk="1" latinLnBrk="0" hangingPunct="1">
+        <a:defRPr sz="1800" kern="1200">
+          <a:solidFill>
+            <a:schemeClr val="tx1"/>
+          </a:solidFill>
+          <a:latin typeface="+mn-lt"/>
+          <a:ea typeface="+mn-ea"/>
+          <a:cs typeface="+mn-cs"/>
+        </a:defRPr>
+      </a:lvl7pPr>
+      <a:lvl8pPr marL="3200400" algn="l" defTabSz="914400" rtl="0" eaLnBrk="1" latinLnBrk="0" hangingPunct="1">
+        <a:defRPr sz="1800" kern="1200">
+          <a:solidFill>
+            <a:schemeClr val="tx1"/>
+          </a:solidFill>
+          <a:latin typeface="+mn-lt"/>
+          <a:ea typeface="+mn-ea"/>
+          <a:cs typeface="+mn-cs"/>
+        </a:defRPr>
+      </a:lvl8pPr>
+      <a:lvl9pPr marL="3657600" algn="l" defTabSz="914400" rtl="0" eaLnBrk="1" latinLnBrk="0" hangingPunct="1">
+        <a:defRPr sz="1800" kern="1200">
+          <a:solidFill>
+            <a:schemeClr val="tx1"/>
+          </a:solidFill>
+          <a:latin typeface="+mn-lt"/>
+          <a:ea typeface="+mn-ea"/>
+          <a:cs typeface="+mn-cs"/>
+        </a:defRPr>
+      </a:lvl9pPr>
+    </p:otherStyle>
+  </p:txStyles>
+</p:sldMaster>
+</file>
+
 <file path=ppt/slides/slide1.xml><?xml version="1.0" encoding="utf-8"?>
 <p:sld xmlns:a="http://schemas.openxmlformats.org/drawingml/2006/main" xmlns:r="http://schemas.openxmlformats.org/officeDocument/2006/relationships" xmlns:p="http://schemas.openxmlformats.org/presentationml/2006/main">
   <p:cSld>
@@ -4068,71 +6919,6 @@
                 <a:cs typeface="Courier New" panose="02070309020205020404" pitchFamily="49" charset="0"/>
               </a:rPr>
               <a:t>Ваш сотрудник мечты. Быстро.</a:t>
-            </a:r>
-          </a:p>
-        </p:txBody>
-      </p:sp>
-      <p:sp>
-        <p:nvSpPr>
-          <p:cNvPr id="6" name="TextBox 5">
-            <a:extLst>
-              <a:ext uri="{FF2B5EF4-FFF2-40B4-BE49-F238E27FC236}">
-                <a16:creationId xmlns:a16="http://schemas.microsoft.com/office/drawing/2014/main" id="{A8D0AB2B-4479-7BA9-DFA4-B87C30540091}"/>
-              </a:ext>
-            </a:extLst>
-          </p:cNvPr>
-          <p:cNvSpPr txBox="1"/>
-          <p:nvPr/>
-        </p:nvSpPr>
-        <p:spPr>
-          <a:xfrm>
-            <a:off x="9092974" y="5570977"/>
-            <a:ext cx="3074111" cy="923330"/>
-          </a:xfrm>
-          <a:prstGeom prst="rect">
-            <a:avLst/>
-          </a:prstGeom>
-          <a:noFill/>
-        </p:spPr>
-        <p:txBody>
-          <a:bodyPr wrap="none" rtlCol="0">
-            <a:spAutoFit/>
-          </a:bodyPr>
-          <a:lstStyle/>
-          <a:p>
-            <a:r>
-              <a:rPr lang="ru-RU" dirty="0">
-                <a:solidFill>
-                  <a:schemeClr val="bg1"/>
-                </a:solidFill>
-                <a:latin typeface="+mn-lt"/>
-                <a:cs typeface="Courier New" panose="02070309020205020404" pitchFamily="49" charset="0"/>
-              </a:rPr>
-              <a:t>Сидоров Артем Павлович</a:t>
-            </a:r>
-          </a:p>
-          <a:p>
-            <a:r>
-              <a:rPr lang="ru-RU" dirty="0">
-                <a:solidFill>
-                  <a:schemeClr val="bg1"/>
-                </a:solidFill>
-                <a:latin typeface="+mn-lt"/>
-                <a:cs typeface="Courier New" panose="02070309020205020404" pitchFamily="49" charset="0"/>
-              </a:rPr>
-              <a:t>Давидюк Сергей Витальевич</a:t>
-            </a:r>
-          </a:p>
-          <a:p>
-            <a:r>
-              <a:rPr lang="ru-RU" dirty="0">
-                <a:solidFill>
-                  <a:schemeClr val="bg1"/>
-                </a:solidFill>
-                <a:latin typeface="+mn-lt"/>
-                <a:cs typeface="Courier New" panose="02070309020205020404" pitchFamily="49" charset="0"/>
-              </a:rPr>
-              <a:t>Наноев Алексей Русланович</a:t>
             </a:r>
           </a:p>
         </p:txBody>
@@ -4172,7 +6958,7 @@
           <p:cNvPr id="2" name="Заголовок 1">
             <a:extLst>
               <a:ext uri="{FF2B5EF4-FFF2-40B4-BE49-F238E27FC236}">
-                <a16:creationId xmlns:a16="http://schemas.microsoft.com/office/drawing/2014/main" id="{2B137E1A-5ED8-2597-B917-7678AE9EE5B2}"/>
+                <a16:creationId xmlns:a16="http://schemas.microsoft.com/office/drawing/2014/main" id="{AA6D62C9-E9CA-1761-4E9A-A493901366A0}"/>
               </a:ext>
             </a:extLst>
           </p:cNvPr>
@@ -4185,61 +6971,14 @@
         </p:nvSpPr>
         <p:spPr/>
         <p:txBody>
-          <a:bodyPr/>
-          <a:lstStyle/>
-          <a:p>
-            <a:r>
-              <a:rPr lang="ru-RU" dirty="0">
-                <a:solidFill>
-                  <a:srgbClr val="02BBB5"/>
-                </a:solidFill>
-              </a:rPr>
-              <a:t>Наша концепция</a:t>
-            </a:r>
-          </a:p>
-        </p:txBody>
-      </p:sp>
-      <p:sp>
-        <p:nvSpPr>
-          <p:cNvPr id="3" name="Объект 2">
-            <a:extLst>
-              <a:ext uri="{FF2B5EF4-FFF2-40B4-BE49-F238E27FC236}">
-                <a16:creationId xmlns:a16="http://schemas.microsoft.com/office/drawing/2014/main" id="{174F5793-3952-F9E2-0A01-9AC2F882227A}"/>
-              </a:ext>
-            </a:extLst>
-          </p:cNvPr>
-          <p:cNvSpPr>
-            <a:spLocks noGrp="1"/>
-          </p:cNvSpPr>
-          <p:nvPr>
-            <p:ph idx="1"/>
-          </p:nvPr>
-        </p:nvSpPr>
-        <p:spPr>
-          <a:xfrm>
-            <a:off x="838200" y="1690688"/>
-            <a:ext cx="10515600" cy="4351338"/>
-          </a:xfrm>
-        </p:spPr>
-        <p:txBody>
-          <a:bodyPr/>
+          <a:bodyPr>
+            <a:normAutofit fontScale="90000"/>
+          </a:bodyPr>
           <a:lstStyle/>
           <a:p>
             <a:r>
               <a:rPr lang="ru-RU" dirty="0"/>
-              <a:t>Парам пам пам</a:t>
-            </a:r>
-          </a:p>
-          <a:p>
-            <a:r>
-              <a:rPr lang="ru-RU" dirty="0"/>
-              <a:t>Ту ту ту</a:t>
-            </a:r>
-          </a:p>
-          <a:p>
-            <a:r>
-              <a:rPr lang="ru-RU" dirty="0"/>
-              <a:t>ы</a:t>
+              <a:t>Команда</a:t>
             </a:r>
           </a:p>
         </p:txBody>
@@ -4249,7 +6988,7 @@
           <p:cNvPr id="4" name="Номер слайда 3">
             <a:extLst>
               <a:ext uri="{FF2B5EF4-FFF2-40B4-BE49-F238E27FC236}">
-                <a16:creationId xmlns:a16="http://schemas.microsoft.com/office/drawing/2014/main" id="{84A21482-E911-8832-ABD5-946EA1FC727F}"/>
+                <a16:creationId xmlns:a16="http://schemas.microsoft.com/office/drawing/2014/main" id="{98E1C087-2D4E-0557-BF76-0E12774910A1}"/>
               </a:ext>
             </a:extLst>
           </p:cNvPr>
@@ -4269,14 +7008,134 @@
               <a:rPr lang="ru-RU" smtClean="0"/>
               <a:t>2</a:t>
             </a:fld>
-            <a:endParaRPr lang="ru-RU" dirty="0"/>
-          </a:p>
-        </p:txBody>
-      </p:sp>
+            <a:endParaRPr lang="ru-RU"/>
+          </a:p>
+        </p:txBody>
+      </p:sp>
+      <p:pic>
+        <p:nvPicPr>
+          <p:cNvPr id="5" name="Рисунок 4">
+            <a:extLst>
+              <a:ext uri="{FF2B5EF4-FFF2-40B4-BE49-F238E27FC236}">
+                <a16:creationId xmlns:a16="http://schemas.microsoft.com/office/drawing/2014/main" id="{4E6BDCFC-3C63-A594-2914-3EC290485C77}"/>
+              </a:ext>
+            </a:extLst>
+          </p:cNvPr>
+          <p:cNvPicPr>
+            <a:picLocks noChangeAspect="1"/>
+          </p:cNvPicPr>
+          <p:nvPr/>
+        </p:nvPicPr>
+        <p:blipFill>
+          <a:blip r:embed="rId2"/>
+          <a:stretch>
+            <a:fillRect/>
+          </a:stretch>
+        </p:blipFill>
+        <p:spPr>
+          <a:xfrm>
+            <a:off x="9276521" y="1821397"/>
+            <a:ext cx="2336013" cy="3346181"/>
+          </a:xfrm>
+          <a:prstGeom prst="rect">
+            <a:avLst/>
+          </a:prstGeom>
+        </p:spPr>
+      </p:pic>
+      <p:pic>
+        <p:nvPicPr>
+          <p:cNvPr id="6" name="Рисунок 5">
+            <a:extLst>
+              <a:ext uri="{FF2B5EF4-FFF2-40B4-BE49-F238E27FC236}">
+                <a16:creationId xmlns:a16="http://schemas.microsoft.com/office/drawing/2014/main" id="{F2C213CA-2DCC-4891-5183-4B23DC497E9B}"/>
+              </a:ext>
+            </a:extLst>
+          </p:cNvPr>
+          <p:cNvPicPr>
+            <a:picLocks noChangeAspect="1"/>
+          </p:cNvPicPr>
+          <p:nvPr/>
+        </p:nvPicPr>
+        <p:blipFill>
+          <a:blip r:embed="rId3"/>
+          <a:stretch>
+            <a:fillRect/>
+          </a:stretch>
+        </p:blipFill>
+        <p:spPr>
+          <a:xfrm>
+            <a:off x="795128" y="1821396"/>
+            <a:ext cx="2336013" cy="3346181"/>
+          </a:xfrm>
+          <a:prstGeom prst="rect">
+            <a:avLst/>
+          </a:prstGeom>
+        </p:spPr>
+      </p:pic>
+      <p:pic>
+        <p:nvPicPr>
+          <p:cNvPr id="7" name="Рисунок 6">
+            <a:extLst>
+              <a:ext uri="{FF2B5EF4-FFF2-40B4-BE49-F238E27FC236}">
+                <a16:creationId xmlns:a16="http://schemas.microsoft.com/office/drawing/2014/main" id="{6F57478F-CA83-3B6C-FF00-DDB35EB1B88D}"/>
+              </a:ext>
+            </a:extLst>
+          </p:cNvPr>
+          <p:cNvPicPr>
+            <a:picLocks noChangeAspect="1"/>
+          </p:cNvPicPr>
+          <p:nvPr/>
+        </p:nvPicPr>
+        <p:blipFill>
+          <a:blip r:embed="rId4"/>
+          <a:stretch>
+            <a:fillRect/>
+          </a:stretch>
+        </p:blipFill>
+        <p:spPr>
+          <a:xfrm>
+            <a:off x="5035825" y="1829696"/>
+            <a:ext cx="2336013" cy="3346181"/>
+          </a:xfrm>
+          <a:prstGeom prst="rect">
+            <a:avLst/>
+          </a:prstGeom>
+        </p:spPr>
+      </p:pic>
+      <p:pic>
+        <p:nvPicPr>
+          <p:cNvPr id="21" name="Рисунок 20">
+            <a:extLst>
+              <a:ext uri="{FF2B5EF4-FFF2-40B4-BE49-F238E27FC236}">
+                <a16:creationId xmlns:a16="http://schemas.microsoft.com/office/drawing/2014/main" id="{42FB0B81-00C0-00A9-02E2-54E73B2D061B}"/>
+              </a:ext>
+            </a:extLst>
+          </p:cNvPr>
+          <p:cNvPicPr>
+            <a:picLocks noChangeAspect="1"/>
+          </p:cNvPicPr>
+          <p:nvPr/>
+        </p:nvPicPr>
+        <p:blipFill>
+          <a:blip r:embed="rId5"/>
+          <a:stretch>
+            <a:fillRect/>
+          </a:stretch>
+        </p:blipFill>
+        <p:spPr>
+          <a:xfrm>
+            <a:off x="5432848" y="4996946"/>
+            <a:ext cx="1541966" cy="1541966"/>
+          </a:xfrm>
+          <a:prstGeom prst="rect">
+            <a:avLst/>
+          </a:prstGeom>
+        </p:spPr>
+      </p:pic>
     </p:spTree>
     <p:extLst>
       <p:ext uri="{BB962C8B-B14F-4D97-AF65-F5344CB8AC3E}">
-        <p14:creationId xmlns:p14="http://schemas.microsoft.com/office/powerpoint/2010/main" val="855942472"/>
+        <p14:creationId xmlns:p14="http://schemas.microsoft.com/office/powerpoint/2010/main" val="3699422739"/>
       </p:ext>
     </p:extLst>
   </p:cSld>
@@ -4319,9 +7178,16 @@
             <p:ph type="title"/>
           </p:nvPr>
         </p:nvSpPr>
-        <p:spPr/>
-        <p:txBody>
-          <a:bodyPr/>
+        <p:spPr>
+          <a:xfrm>
+            <a:off x="838200" y="558007"/>
+            <a:ext cx="10515600" cy="514350"/>
+          </a:xfrm>
+        </p:spPr>
+        <p:txBody>
+          <a:bodyPr>
+            <a:normAutofit fontScale="90000"/>
+          </a:bodyPr>
           <a:lstStyle/>
           <a:p>
             <a:r>
@@ -4412,7 +7278,7 @@
     </p:spTree>
     <p:extLst>
       <p:ext uri="{BB962C8B-B14F-4D97-AF65-F5344CB8AC3E}">
-        <p14:creationId xmlns:p14="http://schemas.microsoft.com/office/powerpoint/2010/main" val="432579587"/>
+        <p14:creationId xmlns:p14="http://schemas.microsoft.com/office/powerpoint/2010/main" val="855942472"/>
       </p:ext>
     </p:extLst>
   </p:cSld>
@@ -4439,6 +7305,144 @@
           <a:chExt cx="0" cy="0"/>
         </a:xfrm>
       </p:grpSpPr>
+      <p:sp>
+        <p:nvSpPr>
+          <p:cNvPr id="2" name="Заголовок 1">
+            <a:extLst>
+              <a:ext uri="{FF2B5EF4-FFF2-40B4-BE49-F238E27FC236}">
+                <a16:creationId xmlns:a16="http://schemas.microsoft.com/office/drawing/2014/main" id="{2B137E1A-5ED8-2597-B917-7678AE9EE5B2}"/>
+              </a:ext>
+            </a:extLst>
+          </p:cNvPr>
+          <p:cNvSpPr>
+            <a:spLocks noGrp="1"/>
+          </p:cNvSpPr>
+          <p:nvPr>
+            <p:ph type="title"/>
+          </p:nvPr>
+        </p:nvSpPr>
+        <p:spPr/>
+        <p:txBody>
+          <a:bodyPr>
+            <a:normAutofit fontScale="90000"/>
+          </a:bodyPr>
+          <a:lstStyle/>
+          <a:p>
+            <a:r>
+              <a:rPr lang="ru-RU" dirty="0">
+                <a:solidFill>
+                  <a:srgbClr val="02BBB5"/>
+                </a:solidFill>
+              </a:rPr>
+              <a:t>Наша концепция</a:t>
+            </a:r>
+          </a:p>
+        </p:txBody>
+      </p:sp>
+      <p:sp>
+        <p:nvSpPr>
+          <p:cNvPr id="3" name="Объект 2">
+            <a:extLst>
+              <a:ext uri="{FF2B5EF4-FFF2-40B4-BE49-F238E27FC236}">
+                <a16:creationId xmlns:a16="http://schemas.microsoft.com/office/drawing/2014/main" id="{174F5793-3952-F9E2-0A01-9AC2F882227A}"/>
+              </a:ext>
+            </a:extLst>
+          </p:cNvPr>
+          <p:cNvSpPr>
+            <a:spLocks noGrp="1"/>
+          </p:cNvSpPr>
+          <p:nvPr>
+            <p:ph idx="1"/>
+          </p:nvPr>
+        </p:nvSpPr>
+        <p:spPr>
+          <a:xfrm>
+            <a:off x="838200" y="1690688"/>
+            <a:ext cx="10515600" cy="4351338"/>
+          </a:xfrm>
+        </p:spPr>
+        <p:txBody>
+          <a:bodyPr/>
+          <a:lstStyle/>
+          <a:p>
+            <a:r>
+              <a:rPr lang="ru-RU" dirty="0"/>
+              <a:t>Парам пам пам</a:t>
+            </a:r>
+          </a:p>
+          <a:p>
+            <a:r>
+              <a:rPr lang="ru-RU" dirty="0"/>
+              <a:t>Ту ту ту</a:t>
+            </a:r>
+          </a:p>
+          <a:p>
+            <a:r>
+              <a:rPr lang="ru-RU" dirty="0"/>
+              <a:t>ы</a:t>
+            </a:r>
+          </a:p>
+        </p:txBody>
+      </p:sp>
+      <p:sp>
+        <p:nvSpPr>
+          <p:cNvPr id="4" name="Номер слайда 3">
+            <a:extLst>
+              <a:ext uri="{FF2B5EF4-FFF2-40B4-BE49-F238E27FC236}">
+                <a16:creationId xmlns:a16="http://schemas.microsoft.com/office/drawing/2014/main" id="{84A21482-E911-8832-ABD5-946EA1FC727F}"/>
+              </a:ext>
+            </a:extLst>
+          </p:cNvPr>
+          <p:cNvSpPr>
+            <a:spLocks noGrp="1"/>
+          </p:cNvSpPr>
+          <p:nvPr>
+            <p:ph type="sldNum" sz="quarter" idx="12"/>
+          </p:nvPr>
+        </p:nvSpPr>
+        <p:spPr/>
+        <p:txBody>
+          <a:bodyPr/>
+          <a:lstStyle/>
+          <a:p>
+            <a:fld id="{65178B5D-1FA4-8142-9A6F-7E75DC9B1E52}" type="slidenum">
+              <a:rPr lang="ru-RU" smtClean="0"/>
+              <a:t>4</a:t>
+            </a:fld>
+            <a:endParaRPr lang="ru-RU" dirty="0"/>
+          </a:p>
+        </p:txBody>
+      </p:sp>
+    </p:spTree>
+    <p:extLst>
+      <p:ext uri="{BB962C8B-B14F-4D97-AF65-F5344CB8AC3E}">
+        <p14:creationId xmlns:p14="http://schemas.microsoft.com/office/powerpoint/2010/main" val="432579587"/>
+      </p:ext>
+    </p:extLst>
+  </p:cSld>
+  <p:clrMapOvr>
+    <a:masterClrMapping/>
+  </p:clrMapOvr>
+</p:sld>
+</file>
+
+<file path=ppt/slides/slide5.xml><?xml version="1.0" encoding="utf-8"?>
+<p:sld xmlns:a="http://schemas.openxmlformats.org/drawingml/2006/main" xmlns:r="http://schemas.openxmlformats.org/officeDocument/2006/relationships" xmlns:p="http://schemas.openxmlformats.org/presentationml/2006/main">
+  <p:cSld>
+    <p:spTree>
+      <p:nvGrpSpPr>
+        <p:cNvPr id="1" name=""/>
+        <p:cNvGrpSpPr/>
+        <p:nvPr/>
+      </p:nvGrpSpPr>
+      <p:grpSpPr>
+        <a:xfrm>
+          <a:off x="0" y="0"/>
+          <a:ext cx="0" cy="0"/>
+          <a:chOff x="0" y="0"/>
+          <a:chExt cx="0" cy="0"/>
+        </a:xfrm>
+      </p:grpSpPr>
       <p:pic>
         <p:nvPicPr>
           <p:cNvPr id="4" name="Рисунок 3">
@@ -4601,6 +7605,891 @@
 </file>
 
 <file path=ppt/theme/theme1.xml><?xml version="1.0" encoding="utf-8"?>
+<a:theme xmlns:a="http://schemas.openxmlformats.org/drawingml/2006/main" name="WHITE">
+  <a:themeElements>
+    <a:clrScheme name="Стандартная">
+      <a:dk1>
+        <a:sysClr val="windowText" lastClr="000000"/>
+      </a:dk1>
+      <a:lt1>
+        <a:sysClr val="window" lastClr="FFFFFF"/>
+      </a:lt1>
+      <a:dk2>
+        <a:srgbClr val="44546A"/>
+      </a:dk2>
+      <a:lt2>
+        <a:srgbClr val="E7E6E6"/>
+      </a:lt2>
+      <a:accent1>
+        <a:srgbClr val="4472C4"/>
+      </a:accent1>
+      <a:accent2>
+        <a:srgbClr val="ED7D31"/>
+      </a:accent2>
+      <a:accent3>
+        <a:srgbClr val="A5A5A5"/>
+      </a:accent3>
+      <a:accent4>
+        <a:srgbClr val="FFC000"/>
+      </a:accent4>
+      <a:accent5>
+        <a:srgbClr val="5B9BD5"/>
+      </a:accent5>
+      <a:accent6>
+        <a:srgbClr val="70AD47"/>
+      </a:accent6>
+      <a:hlink>
+        <a:srgbClr val="0563C1"/>
+      </a:hlink>
+      <a:folHlink>
+        <a:srgbClr val="954F72"/>
+      </a:folHlink>
+    </a:clrScheme>
+    <a:fontScheme name="Стандартная">
+      <a:majorFont>
+        <a:latin typeface="Calibri Light" panose="020F0302020204030204"/>
+        <a:ea typeface=""/>
+        <a:cs typeface=""/>
+        <a:font script="Jpan" typeface="游ゴシック Light"/>
+        <a:font script="Hang" typeface="맑은 고딕"/>
+        <a:font script="Hans" typeface="等线 Light"/>
+        <a:font script="Hant" typeface="新細明體"/>
+        <a:font script="Arab" typeface="Times New Roman"/>
+        <a:font script="Hebr" typeface="Times New Roman"/>
+        <a:font script="Thai" typeface="Angsana New"/>
+        <a:font script="Ethi" typeface="Nyala"/>
+        <a:font script="Beng" typeface="Vrinda"/>
+        <a:font script="Gujr" typeface="Shruti"/>
+        <a:font script="Khmr" typeface="MoolBoran"/>
+        <a:font script="Knda" typeface="Tunga"/>
+        <a:font script="Guru" typeface="Raavi"/>
+        <a:font script="Cans" typeface="Euphemia"/>
+        <a:font script="Cher" typeface="Plantagenet Cherokee"/>
+        <a:font script="Yiii" typeface="Microsoft Yi Baiti"/>
+        <a:font script="Tibt" typeface="Microsoft Himalaya"/>
+        <a:font script="Thaa" typeface="MV Boli"/>
+        <a:font script="Deva" typeface="Mangal"/>
+        <a:font script="Telu" typeface="Gautami"/>
+        <a:font script="Taml" typeface="Latha"/>
+        <a:font script="Syrc" typeface="Estrangelo Edessa"/>
+        <a:font script="Orya" typeface="Kalinga"/>
+        <a:font script="Mlym" typeface="Kartika"/>
+        <a:font script="Laoo" typeface="DokChampa"/>
+        <a:font script="Sinh" typeface="Iskoola Pota"/>
+        <a:font script="Mong" typeface="Mongolian Baiti"/>
+        <a:font script="Viet" typeface="Times New Roman"/>
+        <a:font script="Uigh" typeface="Microsoft Uighur"/>
+        <a:font script="Geor" typeface="Sylfaen"/>
+        <a:font script="Armn" typeface="Arial"/>
+        <a:font script="Bugi" typeface="Leelawadee UI"/>
+        <a:font script="Bopo" typeface="Microsoft JhengHei"/>
+        <a:font script="Java" typeface="Javanese Text"/>
+        <a:font script="Lisu" typeface="Segoe UI"/>
+        <a:font script="Mymr" typeface="Myanmar Text"/>
+        <a:font script="Nkoo" typeface="Ebrima"/>
+        <a:font script="Olck" typeface="Nirmala UI"/>
+        <a:font script="Osma" typeface="Ebrima"/>
+        <a:font script="Phag" typeface="Phagspa"/>
+        <a:font script="Syrn" typeface="Estrangelo Edessa"/>
+        <a:font script="Syrj" typeface="Estrangelo Edessa"/>
+        <a:font script="Syre" typeface="Estrangelo Edessa"/>
+        <a:font script="Sora" typeface="Nirmala UI"/>
+        <a:font script="Tale" typeface="Microsoft Tai Le"/>
+        <a:font script="Talu" typeface="Microsoft New Tai Lue"/>
+        <a:font script="Tfng" typeface="Ebrima"/>
+      </a:majorFont>
+      <a:minorFont>
+        <a:latin typeface="Calibri" panose="020F0502020204030204"/>
+        <a:ea typeface=""/>
+        <a:cs typeface=""/>
+        <a:font script="Jpan" typeface="游ゴシック"/>
+        <a:font script="Hang" typeface="맑은 고딕"/>
+        <a:font script="Hans" typeface="等线"/>
+        <a:font script="Hant" typeface="新細明體"/>
+        <a:font script="Arab" typeface="Arial"/>
+        <a:font script="Hebr" typeface="Arial"/>
+        <a:font script="Thai" typeface="Cordia New"/>
+        <a:font script="Ethi" typeface="Nyala"/>
+        <a:font script="Beng" typeface="Vrinda"/>
+        <a:font script="Gujr" typeface="Shruti"/>
+        <a:font script="Khmr" typeface="DaunPenh"/>
+        <a:font script="Knda" typeface="Tunga"/>
+        <a:font script="Guru" typeface="Raavi"/>
+        <a:font script="Cans" typeface="Euphemia"/>
+        <a:font script="Cher" typeface="Plantagenet Cherokee"/>
+        <a:font script="Yiii" typeface="Microsoft Yi Baiti"/>
+        <a:font script="Tibt" typeface="Microsoft Himalaya"/>
+        <a:font script="Thaa" typeface="MV Boli"/>
+        <a:font script="Deva" typeface="Mangal"/>
+        <a:font script="Telu" typeface="Gautami"/>
+        <a:font script="Taml" typeface="Latha"/>
+        <a:font script="Syrc" typeface="Estrangelo Edessa"/>
+        <a:font script="Orya" typeface="Kalinga"/>
+        <a:font script="Mlym" typeface="Kartika"/>
+        <a:font script="Laoo" typeface="DokChampa"/>
+        <a:font script="Sinh" typeface="Iskoola Pota"/>
+        <a:font script="Mong" typeface="Mongolian Baiti"/>
+        <a:font script="Viet" typeface="Arial"/>
+        <a:font script="Uigh" typeface="Microsoft Uighur"/>
+        <a:font script="Geor" typeface="Sylfaen"/>
+        <a:font script="Armn" typeface="Arial"/>
+        <a:font script="Bugi" typeface="Leelawadee UI"/>
+        <a:font script="Bopo" typeface="Microsoft JhengHei"/>
+        <a:font script="Java" typeface="Javanese Text"/>
+        <a:font script="Lisu" typeface="Segoe UI"/>
+        <a:font script="Mymr" typeface="Myanmar Text"/>
+        <a:font script="Nkoo" typeface="Ebrima"/>
+        <a:font script="Olck" typeface="Nirmala UI"/>
+        <a:font script="Osma" typeface="Ebrima"/>
+        <a:font script="Phag" typeface="Phagspa"/>
+        <a:font script="Syrn" typeface="Estrangelo Edessa"/>
+        <a:font script="Syrj" typeface="Estrangelo Edessa"/>
+        <a:font script="Syre" typeface="Estrangelo Edessa"/>
+        <a:font script="Sora" typeface="Nirmala UI"/>
+        <a:font script="Tale" typeface="Microsoft Tai Le"/>
+        <a:font script="Talu" typeface="Microsoft New Tai Lue"/>
+        <a:font script="Tfng" typeface="Ebrima"/>
+      </a:minorFont>
+    </a:fontScheme>
+    <a:fmtScheme name="Стандартная">
+      <a:fillStyleLst>
+        <a:solidFill>
+          <a:schemeClr val="phClr"/>
+        </a:solidFill>
+        <a:gradFill rotWithShape="1">
+          <a:gsLst>
+            <a:gs pos="0">
+              <a:schemeClr val="phClr">
+                <a:lumMod val="110000"/>
+                <a:satMod val="105000"/>
+                <a:tint val="67000"/>
+              </a:schemeClr>
+            </a:gs>
+            <a:gs pos="50000">
+              <a:schemeClr val="phClr">
+                <a:lumMod val="105000"/>
+                <a:satMod val="103000"/>
+                <a:tint val="73000"/>
+              </a:schemeClr>
+            </a:gs>
+            <a:gs pos="100000">
+              <a:schemeClr val="phClr">
+                <a:lumMod val="105000"/>
+                <a:satMod val="109000"/>
+                <a:tint val="81000"/>
+              </a:schemeClr>
+            </a:gs>
+          </a:gsLst>
+          <a:lin ang="5400000" scaled="0"/>
+        </a:gradFill>
+        <a:gradFill rotWithShape="1">
+          <a:gsLst>
+            <a:gs pos="0">
+              <a:schemeClr val="phClr">
+                <a:satMod val="103000"/>
+                <a:lumMod val="102000"/>
+                <a:tint val="94000"/>
+              </a:schemeClr>
+            </a:gs>
+            <a:gs pos="50000">
+              <a:schemeClr val="phClr">
+                <a:satMod val="110000"/>
+                <a:lumMod val="100000"/>
+                <a:shade val="100000"/>
+              </a:schemeClr>
+            </a:gs>
+            <a:gs pos="100000">
+              <a:schemeClr val="phClr">
+                <a:lumMod val="99000"/>
+                <a:satMod val="120000"/>
+                <a:shade val="78000"/>
+              </a:schemeClr>
+            </a:gs>
+          </a:gsLst>
+          <a:lin ang="5400000" scaled="0"/>
+        </a:gradFill>
+      </a:fillStyleLst>
+      <a:lnStyleLst>
+        <a:ln w="6350" cap="flat" cmpd="sng" algn="ctr">
+          <a:solidFill>
+            <a:schemeClr val="phClr"/>
+          </a:solidFill>
+          <a:prstDash val="solid"/>
+          <a:miter lim="800000"/>
+        </a:ln>
+        <a:ln w="12700" cap="flat" cmpd="sng" algn="ctr">
+          <a:solidFill>
+            <a:schemeClr val="phClr"/>
+          </a:solidFill>
+          <a:prstDash val="solid"/>
+          <a:miter lim="800000"/>
+        </a:ln>
+        <a:ln w="19050" cap="flat" cmpd="sng" algn="ctr">
+          <a:solidFill>
+            <a:schemeClr val="phClr"/>
+          </a:solidFill>
+          <a:prstDash val="solid"/>
+          <a:miter lim="800000"/>
+        </a:ln>
+      </a:lnStyleLst>
+      <a:effectStyleLst>
+        <a:effectStyle>
+          <a:effectLst/>
+        </a:effectStyle>
+        <a:effectStyle>
+          <a:effectLst/>
+        </a:effectStyle>
+        <a:effectStyle>
+          <a:effectLst>
+            <a:outerShdw blurRad="57150" dist="19050" dir="5400000" algn="ctr" rotWithShape="0">
+              <a:srgbClr val="000000">
+                <a:alpha val="63000"/>
+              </a:srgbClr>
+            </a:outerShdw>
+          </a:effectLst>
+        </a:effectStyle>
+      </a:effectStyleLst>
+      <a:bgFillStyleLst>
+        <a:solidFill>
+          <a:schemeClr val="phClr"/>
+        </a:solidFill>
+        <a:solidFill>
+          <a:schemeClr val="phClr">
+            <a:tint val="95000"/>
+            <a:satMod val="170000"/>
+          </a:schemeClr>
+        </a:solidFill>
+        <a:gradFill rotWithShape="1">
+          <a:gsLst>
+            <a:gs pos="0">
+              <a:schemeClr val="phClr">
+                <a:tint val="93000"/>
+                <a:satMod val="150000"/>
+                <a:shade val="98000"/>
+                <a:lumMod val="102000"/>
+              </a:schemeClr>
+            </a:gs>
+            <a:gs pos="50000">
+              <a:schemeClr val="phClr">
+                <a:tint val="98000"/>
+                <a:satMod val="130000"/>
+                <a:shade val="90000"/>
+                <a:lumMod val="103000"/>
+              </a:schemeClr>
+            </a:gs>
+            <a:gs pos="100000">
+              <a:schemeClr val="phClr">
+                <a:shade val="63000"/>
+                <a:satMod val="120000"/>
+              </a:schemeClr>
+            </a:gs>
+          </a:gsLst>
+          <a:lin ang="5400000" scaled="0"/>
+        </a:gradFill>
+      </a:bgFillStyleLst>
+    </a:fmtScheme>
+  </a:themeElements>
+  <a:objectDefaults/>
+  <a:extraClrSchemeLst/>
+  <a:extLst>
+    <a:ext uri="{05A4C25C-085E-4340-85A3-A5531E510DB2}">
+      <thm15:themeFamily xmlns:thm15="http://schemas.microsoft.com/office/thememl/2012/main" name="Office Theme" id="{62F939B6-93AF-4DB8-9C6B-D6C7DFDC589F}" vid="{4A3C46E8-61CC-4603-A589-7422A47A8E4A}"/>
+    </a:ext>
+  </a:extLst>
+</a:theme>
+</file>
+
+<file path=ppt/theme/theme2.xml><?xml version="1.0" encoding="utf-8"?>
+<a:theme xmlns:a="http://schemas.openxmlformats.org/drawingml/2006/main" name="TIFFANY">
+  <a:themeElements>
+    <a:clrScheme name="Стандартная">
+      <a:dk1>
+        <a:sysClr val="windowText" lastClr="000000"/>
+      </a:dk1>
+      <a:lt1>
+        <a:sysClr val="window" lastClr="FFFFFF"/>
+      </a:lt1>
+      <a:dk2>
+        <a:srgbClr val="44546A"/>
+      </a:dk2>
+      <a:lt2>
+        <a:srgbClr val="E7E6E6"/>
+      </a:lt2>
+      <a:accent1>
+        <a:srgbClr val="4472C4"/>
+      </a:accent1>
+      <a:accent2>
+        <a:srgbClr val="ED7D31"/>
+      </a:accent2>
+      <a:accent3>
+        <a:srgbClr val="A5A5A5"/>
+      </a:accent3>
+      <a:accent4>
+        <a:srgbClr val="FFC000"/>
+      </a:accent4>
+      <a:accent5>
+        <a:srgbClr val="5B9BD5"/>
+      </a:accent5>
+      <a:accent6>
+        <a:srgbClr val="70AD47"/>
+      </a:accent6>
+      <a:hlink>
+        <a:srgbClr val="0563C1"/>
+      </a:hlink>
+      <a:folHlink>
+        <a:srgbClr val="954F72"/>
+      </a:folHlink>
+    </a:clrScheme>
+    <a:fontScheme name="Стандартная">
+      <a:majorFont>
+        <a:latin typeface="Calibri Light" panose="020F0302020204030204"/>
+        <a:ea typeface=""/>
+        <a:cs typeface=""/>
+        <a:font script="Jpan" typeface="游ゴシック Light"/>
+        <a:font script="Hang" typeface="맑은 고딕"/>
+        <a:font script="Hans" typeface="等线 Light"/>
+        <a:font script="Hant" typeface="新細明體"/>
+        <a:font script="Arab" typeface="Times New Roman"/>
+        <a:font script="Hebr" typeface="Times New Roman"/>
+        <a:font script="Thai" typeface="Angsana New"/>
+        <a:font script="Ethi" typeface="Nyala"/>
+        <a:font script="Beng" typeface="Vrinda"/>
+        <a:font script="Gujr" typeface="Shruti"/>
+        <a:font script="Khmr" typeface="MoolBoran"/>
+        <a:font script="Knda" typeface="Tunga"/>
+        <a:font script="Guru" typeface="Raavi"/>
+        <a:font script="Cans" typeface="Euphemia"/>
+        <a:font script="Cher" typeface="Plantagenet Cherokee"/>
+        <a:font script="Yiii" typeface="Microsoft Yi Baiti"/>
+        <a:font script="Tibt" typeface="Microsoft Himalaya"/>
+        <a:font script="Thaa" typeface="MV Boli"/>
+        <a:font script="Deva" typeface="Mangal"/>
+        <a:font script="Telu" typeface="Gautami"/>
+        <a:font script="Taml" typeface="Latha"/>
+        <a:font script="Syrc" typeface="Estrangelo Edessa"/>
+        <a:font script="Orya" typeface="Kalinga"/>
+        <a:font script="Mlym" typeface="Kartika"/>
+        <a:font script="Laoo" typeface="DokChampa"/>
+        <a:font script="Sinh" typeface="Iskoola Pota"/>
+        <a:font script="Mong" typeface="Mongolian Baiti"/>
+        <a:font script="Viet" typeface="Times New Roman"/>
+        <a:font script="Uigh" typeface="Microsoft Uighur"/>
+        <a:font script="Geor" typeface="Sylfaen"/>
+        <a:font script="Armn" typeface="Arial"/>
+        <a:font script="Bugi" typeface="Leelawadee UI"/>
+        <a:font script="Bopo" typeface="Microsoft JhengHei"/>
+        <a:font script="Java" typeface="Javanese Text"/>
+        <a:font script="Lisu" typeface="Segoe UI"/>
+        <a:font script="Mymr" typeface="Myanmar Text"/>
+        <a:font script="Nkoo" typeface="Ebrima"/>
+        <a:font script="Olck" typeface="Nirmala UI"/>
+        <a:font script="Osma" typeface="Ebrima"/>
+        <a:font script="Phag" typeface="Phagspa"/>
+        <a:font script="Syrn" typeface="Estrangelo Edessa"/>
+        <a:font script="Syrj" typeface="Estrangelo Edessa"/>
+        <a:font script="Syre" typeface="Estrangelo Edessa"/>
+        <a:font script="Sora" typeface="Nirmala UI"/>
+        <a:font script="Tale" typeface="Microsoft Tai Le"/>
+        <a:font script="Talu" typeface="Microsoft New Tai Lue"/>
+        <a:font script="Tfng" typeface="Ebrima"/>
+      </a:majorFont>
+      <a:minorFont>
+        <a:latin typeface="Calibri" panose="020F0502020204030204"/>
+        <a:ea typeface=""/>
+        <a:cs typeface=""/>
+        <a:font script="Jpan" typeface="游ゴシック"/>
+        <a:font script="Hang" typeface="맑은 고딕"/>
+        <a:font script="Hans" typeface="等线"/>
+        <a:font script="Hant" typeface="新細明體"/>
+        <a:font script="Arab" typeface="Arial"/>
+        <a:font script="Hebr" typeface="Arial"/>
+        <a:font script="Thai" typeface="Cordia New"/>
+        <a:font script="Ethi" typeface="Nyala"/>
+        <a:font script="Beng" typeface="Vrinda"/>
+        <a:font script="Gujr" typeface="Shruti"/>
+        <a:font script="Khmr" typeface="DaunPenh"/>
+        <a:font script="Knda" typeface="Tunga"/>
+        <a:font script="Guru" typeface="Raavi"/>
+        <a:font script="Cans" typeface="Euphemia"/>
+        <a:font script="Cher" typeface="Plantagenet Cherokee"/>
+        <a:font script="Yiii" typeface="Microsoft Yi Baiti"/>
+        <a:font script="Tibt" typeface="Microsoft Himalaya"/>
+        <a:font script="Thaa" typeface="MV Boli"/>
+        <a:font script="Deva" typeface="Mangal"/>
+        <a:font script="Telu" typeface="Gautami"/>
+        <a:font script="Taml" typeface="Latha"/>
+        <a:font script="Syrc" typeface="Estrangelo Edessa"/>
+        <a:font script="Orya" typeface="Kalinga"/>
+        <a:font script="Mlym" typeface="Kartika"/>
+        <a:font script="Laoo" typeface="DokChampa"/>
+        <a:font script="Sinh" typeface="Iskoola Pota"/>
+        <a:font script="Mong" typeface="Mongolian Baiti"/>
+        <a:font script="Viet" typeface="Arial"/>
+        <a:font script="Uigh" typeface="Microsoft Uighur"/>
+        <a:font script="Geor" typeface="Sylfaen"/>
+        <a:font script="Armn" typeface="Arial"/>
+        <a:font script="Bugi" typeface="Leelawadee UI"/>
+        <a:font script="Bopo" typeface="Microsoft JhengHei"/>
+        <a:font script="Java" typeface="Javanese Text"/>
+        <a:font script="Lisu" typeface="Segoe UI"/>
+        <a:font script="Mymr" typeface="Myanmar Text"/>
+        <a:font script="Nkoo" typeface="Ebrima"/>
+        <a:font script="Olck" typeface="Nirmala UI"/>
+        <a:font script="Osma" typeface="Ebrima"/>
+        <a:font script="Phag" typeface="Phagspa"/>
+        <a:font script="Syrn" typeface="Estrangelo Edessa"/>
+        <a:font script="Syrj" typeface="Estrangelo Edessa"/>
+        <a:font script="Syre" typeface="Estrangelo Edessa"/>
+        <a:font script="Sora" typeface="Nirmala UI"/>
+        <a:font script="Tale" typeface="Microsoft Tai Le"/>
+        <a:font script="Talu" typeface="Microsoft New Tai Lue"/>
+        <a:font script="Tfng" typeface="Ebrima"/>
+      </a:minorFont>
+    </a:fontScheme>
+    <a:fmtScheme name="Стандартная">
+      <a:fillStyleLst>
+        <a:solidFill>
+          <a:schemeClr val="phClr"/>
+        </a:solidFill>
+        <a:gradFill rotWithShape="1">
+          <a:gsLst>
+            <a:gs pos="0">
+              <a:schemeClr val="phClr">
+                <a:lumMod val="110000"/>
+                <a:satMod val="105000"/>
+                <a:tint val="67000"/>
+              </a:schemeClr>
+            </a:gs>
+            <a:gs pos="50000">
+              <a:schemeClr val="phClr">
+                <a:lumMod val="105000"/>
+                <a:satMod val="103000"/>
+                <a:tint val="73000"/>
+              </a:schemeClr>
+            </a:gs>
+            <a:gs pos="100000">
+              <a:schemeClr val="phClr">
+                <a:lumMod val="105000"/>
+                <a:satMod val="109000"/>
+                <a:tint val="81000"/>
+              </a:schemeClr>
+            </a:gs>
+          </a:gsLst>
+          <a:lin ang="5400000" scaled="0"/>
+        </a:gradFill>
+        <a:gradFill rotWithShape="1">
+          <a:gsLst>
+            <a:gs pos="0">
+              <a:schemeClr val="phClr">
+                <a:satMod val="103000"/>
+                <a:lumMod val="102000"/>
+                <a:tint val="94000"/>
+              </a:schemeClr>
+            </a:gs>
+            <a:gs pos="50000">
+              <a:schemeClr val="phClr">
+                <a:satMod val="110000"/>
+                <a:lumMod val="100000"/>
+                <a:shade val="100000"/>
+              </a:schemeClr>
+            </a:gs>
+            <a:gs pos="100000">
+              <a:schemeClr val="phClr">
+                <a:lumMod val="99000"/>
+                <a:satMod val="120000"/>
+                <a:shade val="78000"/>
+              </a:schemeClr>
+            </a:gs>
+          </a:gsLst>
+          <a:lin ang="5400000" scaled="0"/>
+        </a:gradFill>
+      </a:fillStyleLst>
+      <a:lnStyleLst>
+        <a:ln w="6350" cap="flat" cmpd="sng" algn="ctr">
+          <a:solidFill>
+            <a:schemeClr val="phClr"/>
+          </a:solidFill>
+          <a:prstDash val="solid"/>
+          <a:miter lim="800000"/>
+        </a:ln>
+        <a:ln w="12700" cap="flat" cmpd="sng" algn="ctr">
+          <a:solidFill>
+            <a:schemeClr val="phClr"/>
+          </a:solidFill>
+          <a:prstDash val="solid"/>
+          <a:miter lim="800000"/>
+        </a:ln>
+        <a:ln w="19050" cap="flat" cmpd="sng" algn="ctr">
+          <a:solidFill>
+            <a:schemeClr val="phClr"/>
+          </a:solidFill>
+          <a:prstDash val="solid"/>
+          <a:miter lim="800000"/>
+        </a:ln>
+      </a:lnStyleLst>
+      <a:effectStyleLst>
+        <a:effectStyle>
+          <a:effectLst/>
+        </a:effectStyle>
+        <a:effectStyle>
+          <a:effectLst/>
+        </a:effectStyle>
+        <a:effectStyle>
+          <a:effectLst>
+            <a:outerShdw blurRad="57150" dist="19050" dir="5400000" algn="ctr" rotWithShape="0">
+              <a:srgbClr val="000000">
+                <a:alpha val="63000"/>
+              </a:srgbClr>
+            </a:outerShdw>
+          </a:effectLst>
+        </a:effectStyle>
+      </a:effectStyleLst>
+      <a:bgFillStyleLst>
+        <a:solidFill>
+          <a:schemeClr val="phClr"/>
+        </a:solidFill>
+        <a:solidFill>
+          <a:schemeClr val="phClr">
+            <a:tint val="95000"/>
+            <a:satMod val="170000"/>
+          </a:schemeClr>
+        </a:solidFill>
+        <a:gradFill rotWithShape="1">
+          <a:gsLst>
+            <a:gs pos="0">
+              <a:schemeClr val="phClr">
+                <a:tint val="93000"/>
+                <a:satMod val="150000"/>
+                <a:shade val="98000"/>
+                <a:lumMod val="102000"/>
+              </a:schemeClr>
+            </a:gs>
+            <a:gs pos="50000">
+              <a:schemeClr val="phClr">
+                <a:tint val="98000"/>
+                <a:satMod val="130000"/>
+                <a:shade val="90000"/>
+                <a:lumMod val="103000"/>
+              </a:schemeClr>
+            </a:gs>
+            <a:gs pos="100000">
+              <a:schemeClr val="phClr">
+                <a:shade val="63000"/>
+                <a:satMod val="120000"/>
+              </a:schemeClr>
+            </a:gs>
+          </a:gsLst>
+          <a:lin ang="5400000" scaled="0"/>
+        </a:gradFill>
+      </a:bgFillStyleLst>
+    </a:fmtScheme>
+  </a:themeElements>
+  <a:objectDefaults/>
+  <a:extraClrSchemeLst/>
+  <a:extLst>
+    <a:ext uri="{05A4C25C-085E-4340-85A3-A5531E510DB2}">
+      <thm15:themeFamily xmlns:thm15="http://schemas.microsoft.com/office/thememl/2012/main" name="Office Theme" id="{62F939B6-93AF-4DB8-9C6B-D6C7DFDC589F}" vid="{4A3C46E8-61CC-4603-A589-7422A47A8E4A}"/>
+    </a:ext>
+  </a:extLst>
+</a:theme>
+</file>
+
+<file path=ppt/theme/theme3.xml><?xml version="1.0" encoding="utf-8"?>
+<a:theme xmlns:a="http://schemas.openxmlformats.org/drawingml/2006/main" name="NO LOGO">
+  <a:themeElements>
+    <a:clrScheme name="Стандартная">
+      <a:dk1>
+        <a:sysClr val="windowText" lastClr="000000"/>
+      </a:dk1>
+      <a:lt1>
+        <a:sysClr val="window" lastClr="FFFFFF"/>
+      </a:lt1>
+      <a:dk2>
+        <a:srgbClr val="44546A"/>
+      </a:dk2>
+      <a:lt2>
+        <a:srgbClr val="E7E6E6"/>
+      </a:lt2>
+      <a:accent1>
+        <a:srgbClr val="4472C4"/>
+      </a:accent1>
+      <a:accent2>
+        <a:srgbClr val="ED7D31"/>
+      </a:accent2>
+      <a:accent3>
+        <a:srgbClr val="A5A5A5"/>
+      </a:accent3>
+      <a:accent4>
+        <a:srgbClr val="FFC000"/>
+      </a:accent4>
+      <a:accent5>
+        <a:srgbClr val="5B9BD5"/>
+      </a:accent5>
+      <a:accent6>
+        <a:srgbClr val="70AD47"/>
+      </a:accent6>
+      <a:hlink>
+        <a:srgbClr val="0563C1"/>
+      </a:hlink>
+      <a:folHlink>
+        <a:srgbClr val="954F72"/>
+      </a:folHlink>
+    </a:clrScheme>
+    <a:fontScheme name="Стандартная">
+      <a:majorFont>
+        <a:latin typeface="Calibri Light" panose="020F0302020204030204"/>
+        <a:ea typeface=""/>
+        <a:cs typeface=""/>
+        <a:font script="Jpan" typeface="游ゴシック Light"/>
+        <a:font script="Hang" typeface="맑은 고딕"/>
+        <a:font script="Hans" typeface="等线 Light"/>
+        <a:font script="Hant" typeface="新細明體"/>
+        <a:font script="Arab" typeface="Times New Roman"/>
+        <a:font script="Hebr" typeface="Times New Roman"/>
+        <a:font script="Thai" typeface="Angsana New"/>
+        <a:font script="Ethi" typeface="Nyala"/>
+        <a:font script="Beng" typeface="Vrinda"/>
+        <a:font script="Gujr" typeface="Shruti"/>
+        <a:font script="Khmr" typeface="MoolBoran"/>
+        <a:font script="Knda" typeface="Tunga"/>
+        <a:font script="Guru" typeface="Raavi"/>
+        <a:font script="Cans" typeface="Euphemia"/>
+        <a:font script="Cher" typeface="Plantagenet Cherokee"/>
+        <a:font script="Yiii" typeface="Microsoft Yi Baiti"/>
+        <a:font script="Tibt" typeface="Microsoft Himalaya"/>
+        <a:font script="Thaa" typeface="MV Boli"/>
+        <a:font script="Deva" typeface="Mangal"/>
+        <a:font script="Telu" typeface="Gautami"/>
+        <a:font script="Taml" typeface="Latha"/>
+        <a:font script="Syrc" typeface="Estrangelo Edessa"/>
+        <a:font script="Orya" typeface="Kalinga"/>
+        <a:font script="Mlym" typeface="Kartika"/>
+        <a:font script="Laoo" typeface="DokChampa"/>
+        <a:font script="Sinh" typeface="Iskoola Pota"/>
+        <a:font script="Mong" typeface="Mongolian Baiti"/>
+        <a:font script="Viet" typeface="Times New Roman"/>
+        <a:font script="Uigh" typeface="Microsoft Uighur"/>
+        <a:font script="Geor" typeface="Sylfaen"/>
+        <a:font script="Armn" typeface="Arial"/>
+        <a:font script="Bugi" typeface="Leelawadee UI"/>
+        <a:font script="Bopo" typeface="Microsoft JhengHei"/>
+        <a:font script="Java" typeface="Javanese Text"/>
+        <a:font script="Lisu" typeface="Segoe UI"/>
+        <a:font script="Mymr" typeface="Myanmar Text"/>
+        <a:font script="Nkoo" typeface="Ebrima"/>
+        <a:font script="Olck" typeface="Nirmala UI"/>
+        <a:font script="Osma" typeface="Ebrima"/>
+        <a:font script="Phag" typeface="Phagspa"/>
+        <a:font script="Syrn" typeface="Estrangelo Edessa"/>
+        <a:font script="Syrj" typeface="Estrangelo Edessa"/>
+        <a:font script="Syre" typeface="Estrangelo Edessa"/>
+        <a:font script="Sora" typeface="Nirmala UI"/>
+        <a:font script="Tale" typeface="Microsoft Tai Le"/>
+        <a:font script="Talu" typeface="Microsoft New Tai Lue"/>
+        <a:font script="Tfng" typeface="Ebrima"/>
+      </a:majorFont>
+      <a:minorFont>
+        <a:latin typeface="Calibri" panose="020F0502020204030204"/>
+        <a:ea typeface=""/>
+        <a:cs typeface=""/>
+        <a:font script="Jpan" typeface="游ゴシック"/>
+        <a:font script="Hang" typeface="맑은 고딕"/>
+        <a:font script="Hans" typeface="等线"/>
+        <a:font script="Hant" typeface="新細明體"/>
+        <a:font script="Arab" typeface="Arial"/>
+        <a:font script="Hebr" typeface="Arial"/>
+        <a:font script="Thai" typeface="Cordia New"/>
+        <a:font script="Ethi" typeface="Nyala"/>
+        <a:font script="Beng" typeface="Vrinda"/>
+        <a:font script="Gujr" typeface="Shruti"/>
+        <a:font script="Khmr" typeface="DaunPenh"/>
+        <a:font script="Knda" typeface="Tunga"/>
+        <a:font script="Guru" typeface="Raavi"/>
+        <a:font script="Cans" typeface="Euphemia"/>
+        <a:font script="Cher" typeface="Plantagenet Cherokee"/>
+        <a:font script="Yiii" typeface="Microsoft Yi Baiti"/>
+        <a:font script="Tibt" typeface="Microsoft Himalaya"/>
+        <a:font script="Thaa" typeface="MV Boli"/>
+        <a:font script="Deva" typeface="Mangal"/>
+        <a:font script="Telu" typeface="Gautami"/>
+        <a:font script="Taml" typeface="Latha"/>
+        <a:font script="Syrc" typeface="Estrangelo Edessa"/>
+        <a:font script="Orya" typeface="Kalinga"/>
+        <a:font script="Mlym" typeface="Kartika"/>
+        <a:font script="Laoo" typeface="DokChampa"/>
+        <a:font script="Sinh" typeface="Iskoola Pota"/>
+        <a:font script="Mong" typeface="Mongolian Baiti"/>
+        <a:font script="Viet" typeface="Arial"/>
+        <a:font script="Uigh" typeface="Microsoft Uighur"/>
+        <a:font script="Geor" typeface="Sylfaen"/>
+        <a:font script="Armn" typeface="Arial"/>
+        <a:font script="Bugi" typeface="Leelawadee UI"/>
+        <a:font script="Bopo" typeface="Microsoft JhengHei"/>
+        <a:font script="Java" typeface="Javanese Text"/>
+        <a:font script="Lisu" typeface="Segoe UI"/>
+        <a:font script="Mymr" typeface="Myanmar Text"/>
+        <a:font script="Nkoo" typeface="Ebrima"/>
+        <a:font script="Olck" typeface="Nirmala UI"/>
+        <a:font script="Osma" typeface="Ebrima"/>
+        <a:font script="Phag" typeface="Phagspa"/>
+        <a:font script="Syrn" typeface="Estrangelo Edessa"/>
+        <a:font script="Syrj" typeface="Estrangelo Edessa"/>
+        <a:font script="Syre" typeface="Estrangelo Edessa"/>
+        <a:font script="Sora" typeface="Nirmala UI"/>
+        <a:font script="Tale" typeface="Microsoft Tai Le"/>
+        <a:font script="Talu" typeface="Microsoft New Tai Lue"/>
+        <a:font script="Tfng" typeface="Ebrima"/>
+      </a:minorFont>
+    </a:fontScheme>
+    <a:fmtScheme name="Стандартная">
+      <a:fillStyleLst>
+        <a:solidFill>
+          <a:schemeClr val="phClr"/>
+        </a:solidFill>
+        <a:gradFill rotWithShape="1">
+          <a:gsLst>
+            <a:gs pos="0">
+              <a:schemeClr val="phClr">
+                <a:lumMod val="110000"/>
+                <a:satMod val="105000"/>
+                <a:tint val="67000"/>
+              </a:schemeClr>
+            </a:gs>
+            <a:gs pos="50000">
+              <a:schemeClr val="phClr">
+                <a:lumMod val="105000"/>
+                <a:satMod val="103000"/>
+                <a:tint val="73000"/>
+              </a:schemeClr>
+            </a:gs>
+            <a:gs pos="100000">
+              <a:schemeClr val="phClr">
+                <a:lumMod val="105000"/>
+                <a:satMod val="109000"/>
+                <a:tint val="81000"/>
+              </a:schemeClr>
+            </a:gs>
+          </a:gsLst>
+          <a:lin ang="5400000" scaled="0"/>
+        </a:gradFill>
+        <a:gradFill rotWithShape="1">
+          <a:gsLst>
+            <a:gs pos="0">
+              <a:schemeClr val="phClr">
+                <a:satMod val="103000"/>
+                <a:lumMod val="102000"/>
+                <a:tint val="94000"/>
+              </a:schemeClr>
+            </a:gs>
+            <a:gs pos="50000">
+              <a:schemeClr val="phClr">
+                <a:satMod val="110000"/>
+                <a:lumMod val="100000"/>
+                <a:shade val="100000"/>
+              </a:schemeClr>
+            </a:gs>
+            <a:gs pos="100000">
+              <a:schemeClr val="phClr">
+                <a:lumMod val="99000"/>
+                <a:satMod val="120000"/>
+                <a:shade val="78000"/>
+              </a:schemeClr>
+            </a:gs>
+          </a:gsLst>
+          <a:lin ang="5400000" scaled="0"/>
+        </a:gradFill>
+      </a:fillStyleLst>
+      <a:lnStyleLst>
+        <a:ln w="6350" cap="flat" cmpd="sng" algn="ctr">
+          <a:solidFill>
+            <a:schemeClr val="phClr"/>
+          </a:solidFill>
+          <a:prstDash val="solid"/>
+          <a:miter lim="800000"/>
+        </a:ln>
+        <a:ln w="12700" cap="flat" cmpd="sng" algn="ctr">
+          <a:solidFill>
+            <a:schemeClr val="phClr"/>
+          </a:solidFill>
+          <a:prstDash val="solid"/>
+          <a:miter lim="800000"/>
+        </a:ln>
+        <a:ln w="19050" cap="flat" cmpd="sng" algn="ctr">
+          <a:solidFill>
+            <a:schemeClr val="phClr"/>
+          </a:solidFill>
+          <a:prstDash val="solid"/>
+          <a:miter lim="800000"/>
+        </a:ln>
+      </a:lnStyleLst>
+      <a:effectStyleLst>
+        <a:effectStyle>
+          <a:effectLst/>
+        </a:effectStyle>
+        <a:effectStyle>
+          <a:effectLst/>
+        </a:effectStyle>
+        <a:effectStyle>
+          <a:effectLst>
+            <a:outerShdw blurRad="57150" dist="19050" dir="5400000" algn="ctr" rotWithShape="0">
+              <a:srgbClr val="000000">
+                <a:alpha val="63000"/>
+              </a:srgbClr>
+            </a:outerShdw>
+          </a:effectLst>
+        </a:effectStyle>
+      </a:effectStyleLst>
+      <a:bgFillStyleLst>
+        <a:solidFill>
+          <a:schemeClr val="phClr"/>
+        </a:solidFill>
+        <a:solidFill>
+          <a:schemeClr val="phClr">
+            <a:tint val="95000"/>
+            <a:satMod val="170000"/>
+          </a:schemeClr>
+        </a:solidFill>
+        <a:gradFill rotWithShape="1">
+          <a:gsLst>
+            <a:gs pos="0">
+              <a:schemeClr val="phClr">
+                <a:tint val="93000"/>
+                <a:satMod val="150000"/>
+                <a:shade val="98000"/>
+                <a:lumMod val="102000"/>
+              </a:schemeClr>
+            </a:gs>
+            <a:gs pos="50000">
+              <a:schemeClr val="phClr">
+                <a:tint val="98000"/>
+                <a:satMod val="130000"/>
+                <a:shade val="90000"/>
+                <a:lumMod val="103000"/>
+              </a:schemeClr>
+            </a:gs>
+            <a:gs pos="100000">
+              <a:schemeClr val="phClr">
+                <a:shade val="63000"/>
+                <a:satMod val="120000"/>
+              </a:schemeClr>
+            </a:gs>
+          </a:gsLst>
+          <a:lin ang="5400000" scaled="0"/>
+        </a:gradFill>
+      </a:bgFillStyleLst>
+    </a:fmtScheme>
+  </a:themeElements>
+  <a:objectDefaults/>
+  <a:extraClrSchemeLst/>
+  <a:extLst>
+    <a:ext uri="{05A4C25C-085E-4340-85A3-A5531E510DB2}">
+      <thm15:themeFamily xmlns:thm15="http://schemas.microsoft.com/office/thememl/2012/main" name="Office Theme" id="{62F939B6-93AF-4DB8-9C6B-D6C7DFDC589F}" vid="{4A3C46E8-61CC-4603-A589-7422A47A8E4A}"/>
+    </a:ext>
+  </a:extLst>
+</a:theme>
+</file>
+
+<file path=ppt/theme/theme4.xml><?xml version="1.0" encoding="utf-8"?>
 <a:theme xmlns:a="http://schemas.openxmlformats.org/drawingml/2006/main" name="Тема Office">
   <a:themeElements>
     <a:clrScheme name="Стандартная">
@@ -4895,302 +8784,7 @@
 </a:theme>
 </file>
 
-<file path=ppt/theme/theme2.xml><?xml version="1.0" encoding="utf-8"?>
-<a:theme xmlns:a="http://schemas.openxmlformats.org/drawingml/2006/main" name="Тема Office">
-  <a:themeElements>
-    <a:clrScheme name="Стандартная">
-      <a:dk1>
-        <a:sysClr val="windowText" lastClr="000000"/>
-      </a:dk1>
-      <a:lt1>
-        <a:sysClr val="window" lastClr="FFFFFF"/>
-      </a:lt1>
-      <a:dk2>
-        <a:srgbClr val="44546A"/>
-      </a:dk2>
-      <a:lt2>
-        <a:srgbClr val="E7E6E6"/>
-      </a:lt2>
-      <a:accent1>
-        <a:srgbClr val="4472C4"/>
-      </a:accent1>
-      <a:accent2>
-        <a:srgbClr val="ED7D31"/>
-      </a:accent2>
-      <a:accent3>
-        <a:srgbClr val="A5A5A5"/>
-      </a:accent3>
-      <a:accent4>
-        <a:srgbClr val="FFC000"/>
-      </a:accent4>
-      <a:accent5>
-        <a:srgbClr val="5B9BD5"/>
-      </a:accent5>
-      <a:accent6>
-        <a:srgbClr val="70AD47"/>
-      </a:accent6>
-      <a:hlink>
-        <a:srgbClr val="0563C1"/>
-      </a:hlink>
-      <a:folHlink>
-        <a:srgbClr val="954F72"/>
-      </a:folHlink>
-    </a:clrScheme>
-    <a:fontScheme name="Стандартная">
-      <a:majorFont>
-        <a:latin typeface="Calibri Light" panose="020F0302020204030204"/>
-        <a:ea typeface=""/>
-        <a:cs typeface=""/>
-        <a:font script="Jpan" typeface="游ゴシック Light"/>
-        <a:font script="Hang" typeface="맑은 고딕"/>
-        <a:font script="Hans" typeface="等线 Light"/>
-        <a:font script="Hant" typeface="新細明體"/>
-        <a:font script="Arab" typeface="Times New Roman"/>
-        <a:font script="Hebr" typeface="Times New Roman"/>
-        <a:font script="Thai" typeface="Angsana New"/>
-        <a:font script="Ethi" typeface="Nyala"/>
-        <a:font script="Beng" typeface="Vrinda"/>
-        <a:font script="Gujr" typeface="Shruti"/>
-        <a:font script="Khmr" typeface="MoolBoran"/>
-        <a:font script="Knda" typeface="Tunga"/>
-        <a:font script="Guru" typeface="Raavi"/>
-        <a:font script="Cans" typeface="Euphemia"/>
-        <a:font script="Cher" typeface="Plantagenet Cherokee"/>
-        <a:font script="Yiii" typeface="Microsoft Yi Baiti"/>
-        <a:font script="Tibt" typeface="Microsoft Himalaya"/>
-        <a:font script="Thaa" typeface="MV Boli"/>
-        <a:font script="Deva" typeface="Mangal"/>
-        <a:font script="Telu" typeface="Gautami"/>
-        <a:font script="Taml" typeface="Latha"/>
-        <a:font script="Syrc" typeface="Estrangelo Edessa"/>
-        <a:font script="Orya" typeface="Kalinga"/>
-        <a:font script="Mlym" typeface="Kartika"/>
-        <a:font script="Laoo" typeface="DokChampa"/>
-        <a:font script="Sinh" typeface="Iskoola Pota"/>
-        <a:font script="Mong" typeface="Mongolian Baiti"/>
-        <a:font script="Viet" typeface="Times New Roman"/>
-        <a:font script="Uigh" typeface="Microsoft Uighur"/>
-        <a:font script="Geor" typeface="Sylfaen"/>
-        <a:font script="Armn" typeface="Arial"/>
-        <a:font script="Bugi" typeface="Leelawadee UI"/>
-        <a:font script="Bopo" typeface="Microsoft JhengHei"/>
-        <a:font script="Java" typeface="Javanese Text"/>
-        <a:font script="Lisu" typeface="Segoe UI"/>
-        <a:font script="Mymr" typeface="Myanmar Text"/>
-        <a:font script="Nkoo" typeface="Ebrima"/>
-        <a:font script="Olck" typeface="Nirmala UI"/>
-        <a:font script="Osma" typeface="Ebrima"/>
-        <a:font script="Phag" typeface="Phagspa"/>
-        <a:font script="Syrn" typeface="Estrangelo Edessa"/>
-        <a:font script="Syrj" typeface="Estrangelo Edessa"/>
-        <a:font script="Syre" typeface="Estrangelo Edessa"/>
-        <a:font script="Sora" typeface="Nirmala UI"/>
-        <a:font script="Tale" typeface="Microsoft Tai Le"/>
-        <a:font script="Talu" typeface="Microsoft New Tai Lue"/>
-        <a:font script="Tfng" typeface="Ebrima"/>
-      </a:majorFont>
-      <a:minorFont>
-        <a:latin typeface="Calibri" panose="020F0502020204030204"/>
-        <a:ea typeface=""/>
-        <a:cs typeface=""/>
-        <a:font script="Jpan" typeface="游ゴシック"/>
-        <a:font script="Hang" typeface="맑은 고딕"/>
-        <a:font script="Hans" typeface="等线"/>
-        <a:font script="Hant" typeface="新細明體"/>
-        <a:font script="Arab" typeface="Arial"/>
-        <a:font script="Hebr" typeface="Arial"/>
-        <a:font script="Thai" typeface="Cordia New"/>
-        <a:font script="Ethi" typeface="Nyala"/>
-        <a:font script="Beng" typeface="Vrinda"/>
-        <a:font script="Gujr" typeface="Shruti"/>
-        <a:font script="Khmr" typeface="DaunPenh"/>
-        <a:font script="Knda" typeface="Tunga"/>
-        <a:font script="Guru" typeface="Raavi"/>
-        <a:font script="Cans" typeface="Euphemia"/>
-        <a:font script="Cher" typeface="Plantagenet Cherokee"/>
-        <a:font script="Yiii" typeface="Microsoft Yi Baiti"/>
-        <a:font script="Tibt" typeface="Microsoft Himalaya"/>
-        <a:font script="Thaa" typeface="MV Boli"/>
-        <a:font script="Deva" typeface="Mangal"/>
-        <a:font script="Telu" typeface="Gautami"/>
-        <a:font script="Taml" typeface="Latha"/>
-        <a:font script="Syrc" typeface="Estrangelo Edessa"/>
-        <a:font script="Orya" typeface="Kalinga"/>
-        <a:font script="Mlym" typeface="Kartika"/>
-        <a:font script="Laoo" typeface="DokChampa"/>
-        <a:font script="Sinh" typeface="Iskoola Pota"/>
-        <a:font script="Mong" typeface="Mongolian Baiti"/>
-        <a:font script="Viet" typeface="Arial"/>
-        <a:font script="Uigh" typeface="Microsoft Uighur"/>
-        <a:font script="Geor" typeface="Sylfaen"/>
-        <a:font script="Armn" typeface="Arial"/>
-        <a:font script="Bugi" typeface="Leelawadee UI"/>
-        <a:font script="Bopo" typeface="Microsoft JhengHei"/>
-        <a:font script="Java" typeface="Javanese Text"/>
-        <a:font script="Lisu" typeface="Segoe UI"/>
-        <a:font script="Mymr" typeface="Myanmar Text"/>
-        <a:font script="Nkoo" typeface="Ebrima"/>
-        <a:font script="Olck" typeface="Nirmala UI"/>
-        <a:font script="Osma" typeface="Ebrima"/>
-        <a:font script="Phag" typeface="Phagspa"/>
-        <a:font script="Syrn" typeface="Estrangelo Edessa"/>
-        <a:font script="Syrj" typeface="Estrangelo Edessa"/>
-        <a:font script="Syre" typeface="Estrangelo Edessa"/>
-        <a:font script="Sora" typeface="Nirmala UI"/>
-        <a:font script="Tale" typeface="Microsoft Tai Le"/>
-        <a:font script="Talu" typeface="Microsoft New Tai Lue"/>
-        <a:font script="Tfng" typeface="Ebrima"/>
-      </a:minorFont>
-    </a:fontScheme>
-    <a:fmtScheme name="Стандартная">
-      <a:fillStyleLst>
-        <a:solidFill>
-          <a:schemeClr val="phClr"/>
-        </a:solidFill>
-        <a:gradFill rotWithShape="1">
-          <a:gsLst>
-            <a:gs pos="0">
-              <a:schemeClr val="phClr">
-                <a:lumMod val="110000"/>
-                <a:satMod val="105000"/>
-                <a:tint val="67000"/>
-              </a:schemeClr>
-            </a:gs>
-            <a:gs pos="50000">
-              <a:schemeClr val="phClr">
-                <a:lumMod val="105000"/>
-                <a:satMod val="103000"/>
-                <a:tint val="73000"/>
-              </a:schemeClr>
-            </a:gs>
-            <a:gs pos="100000">
-              <a:schemeClr val="phClr">
-                <a:lumMod val="105000"/>
-                <a:satMod val="109000"/>
-                <a:tint val="81000"/>
-              </a:schemeClr>
-            </a:gs>
-          </a:gsLst>
-          <a:lin ang="5400000" scaled="0"/>
-        </a:gradFill>
-        <a:gradFill rotWithShape="1">
-          <a:gsLst>
-            <a:gs pos="0">
-              <a:schemeClr val="phClr">
-                <a:satMod val="103000"/>
-                <a:lumMod val="102000"/>
-                <a:tint val="94000"/>
-              </a:schemeClr>
-            </a:gs>
-            <a:gs pos="50000">
-              <a:schemeClr val="phClr">
-                <a:satMod val="110000"/>
-                <a:lumMod val="100000"/>
-                <a:shade val="100000"/>
-              </a:schemeClr>
-            </a:gs>
-            <a:gs pos="100000">
-              <a:schemeClr val="phClr">
-                <a:lumMod val="99000"/>
-                <a:satMod val="120000"/>
-                <a:shade val="78000"/>
-              </a:schemeClr>
-            </a:gs>
-          </a:gsLst>
-          <a:lin ang="5400000" scaled="0"/>
-        </a:gradFill>
-      </a:fillStyleLst>
-      <a:lnStyleLst>
-        <a:ln w="6350" cap="flat" cmpd="sng" algn="ctr">
-          <a:solidFill>
-            <a:schemeClr val="phClr"/>
-          </a:solidFill>
-          <a:prstDash val="solid"/>
-          <a:miter lim="800000"/>
-        </a:ln>
-        <a:ln w="12700" cap="flat" cmpd="sng" algn="ctr">
-          <a:solidFill>
-            <a:schemeClr val="phClr"/>
-          </a:solidFill>
-          <a:prstDash val="solid"/>
-          <a:miter lim="800000"/>
-        </a:ln>
-        <a:ln w="19050" cap="flat" cmpd="sng" algn="ctr">
-          <a:solidFill>
-            <a:schemeClr val="phClr"/>
-          </a:solidFill>
-          <a:prstDash val="solid"/>
-          <a:miter lim="800000"/>
-        </a:ln>
-      </a:lnStyleLst>
-      <a:effectStyleLst>
-        <a:effectStyle>
-          <a:effectLst/>
-        </a:effectStyle>
-        <a:effectStyle>
-          <a:effectLst/>
-        </a:effectStyle>
-        <a:effectStyle>
-          <a:effectLst>
-            <a:outerShdw blurRad="57150" dist="19050" dir="5400000" algn="ctr" rotWithShape="0">
-              <a:srgbClr val="000000">
-                <a:alpha val="63000"/>
-              </a:srgbClr>
-            </a:outerShdw>
-          </a:effectLst>
-        </a:effectStyle>
-      </a:effectStyleLst>
-      <a:bgFillStyleLst>
-        <a:solidFill>
-          <a:schemeClr val="phClr"/>
-        </a:solidFill>
-        <a:solidFill>
-          <a:schemeClr val="phClr">
-            <a:tint val="95000"/>
-            <a:satMod val="170000"/>
-          </a:schemeClr>
-        </a:solidFill>
-        <a:gradFill rotWithShape="1">
-          <a:gsLst>
-            <a:gs pos="0">
-              <a:schemeClr val="phClr">
-                <a:tint val="93000"/>
-                <a:satMod val="150000"/>
-                <a:shade val="98000"/>
-                <a:lumMod val="102000"/>
-              </a:schemeClr>
-            </a:gs>
-            <a:gs pos="50000">
-              <a:schemeClr val="phClr">
-                <a:tint val="98000"/>
-                <a:satMod val="130000"/>
-                <a:shade val="90000"/>
-                <a:lumMod val="103000"/>
-              </a:schemeClr>
-            </a:gs>
-            <a:gs pos="100000">
-              <a:schemeClr val="phClr">
-                <a:shade val="63000"/>
-                <a:satMod val="120000"/>
-              </a:schemeClr>
-            </a:gs>
-          </a:gsLst>
-          <a:lin ang="5400000" scaled="0"/>
-        </a:gradFill>
-      </a:bgFillStyleLst>
-    </a:fmtScheme>
-  </a:themeElements>
-  <a:objectDefaults/>
-  <a:extraClrSchemeLst/>
-  <a:extLst>
-    <a:ext uri="{05A4C25C-085E-4340-85A3-A5531E510DB2}">
-      <thm15:themeFamily xmlns:thm15="http://schemas.microsoft.com/office/thememl/2012/main" name="Office Theme" id="{62F939B6-93AF-4DB8-9C6B-D6C7DFDC589F}" vid="{4A3C46E8-61CC-4603-A589-7422A47A8E4A}"/>
-    </a:ext>
-  </a:extLst>
-</a:theme>
-</file>
-
-<file path=ppt/theme/theme3.xml><?xml version="1.0" encoding="utf-8"?>
+<file path=ppt/theme/theme5.xml><?xml version="1.0" encoding="utf-8"?>
 <a:theme xmlns:a="http://schemas.openxmlformats.org/drawingml/2006/main" name="Тема Office">
   <a:themeElements>
     <a:clrScheme name="Стандартная">
